--- a/prj_tablo/python - tablo.pptx
+++ b/prj_tablo/python - tablo.pptx
@@ -50,21 +50,6 @@
     <p:sldId id="298" r:id="rId49"/>
     <p:sldId id="299" r:id="rId50"/>
     <p:sldId id="300" r:id="rId51"/>
-    <p:sldId id="301" r:id="rId52"/>
-    <p:sldId id="302" r:id="rId53"/>
-    <p:sldId id="303" r:id="rId54"/>
-    <p:sldId id="304" r:id="rId55"/>
-    <p:sldId id="305" r:id="rId56"/>
-    <p:sldId id="306" r:id="rId57"/>
-    <p:sldId id="307" r:id="rId58"/>
-    <p:sldId id="308" r:id="rId59"/>
-    <p:sldId id="309" r:id="rId60"/>
-    <p:sldId id="310" r:id="rId61"/>
-    <p:sldId id="311" r:id="rId62"/>
-    <p:sldId id="312" r:id="rId63"/>
-    <p:sldId id="313" r:id="rId64"/>
-    <p:sldId id="314" r:id="rId65"/>
-    <p:sldId id="315" r:id="rId66"/>
   </p:sldIdLst>
   <p:sldSz cx="9144000" cy="6858000" type="screen4x3"/>
   <p:notesSz cx="6858000" cy="9144000"/>
@@ -3207,30 +3192,9 @@
         <p:nvPr/>
       </p:nvGrpSpPr>
       <p:grpSpPr/>
-      <p:sp>
-        <p:nvSpPr>
-          <p:cNvPr id="2" name="Title 1"/>
-          <p:cNvSpPr>
-            <a:spLocks noGrp="1"/>
-          </p:cNvSpPr>
-          <p:nvPr>
-            <p:ph type="title"/>
-          </p:nvPr>
-        </p:nvSpPr>
-        <p:spPr/>
-        <p:txBody>
-          <a:bodyPr/>
-          <a:lstStyle/>
-          <a:p>
-            <a:r>
-              <a:t>SKU I4a</a:t>
-            </a:r>
-          </a:p>
-        </p:txBody>
-      </p:sp>
       <p:pic>
         <p:nvPicPr>
-          <p:cNvPr id="3" name="Picture 2" descr="plot_I4a.png"/>
+          <p:cNvPr id="2" name="Picture 1" descr="plot_I5.png"/>
           <p:cNvPicPr>
             <a:picLocks noChangeAspect="1"/>
           </p:cNvPicPr>
@@ -3244,7 +3208,7 @@
         </p:blipFill>
         <p:spPr>
           <a:xfrm>
-            <a:off x="0" y="1371600"/>
+            <a:off x="0" y="914400"/>
             <a:ext cx="9144000" cy="5486400"/>
           </a:xfrm>
           <a:prstGeom prst="rect">
@@ -3270,30 +3234,9 @@
         <p:nvPr/>
       </p:nvGrpSpPr>
       <p:grpSpPr/>
-      <p:sp>
-        <p:nvSpPr>
-          <p:cNvPr id="2" name="Title 1"/>
-          <p:cNvSpPr>
-            <a:spLocks noGrp="1"/>
-          </p:cNvSpPr>
-          <p:nvPr>
-            <p:ph type="title"/>
-          </p:nvPr>
-        </p:nvSpPr>
-        <p:spPr/>
-        <p:txBody>
-          <a:bodyPr/>
-          <a:lstStyle/>
-          <a:p>
-            <a:r>
-              <a:t>SKU I4</a:t>
-            </a:r>
-          </a:p>
-        </p:txBody>
-      </p:sp>
       <p:pic>
         <p:nvPicPr>
-          <p:cNvPr id="3" name="Picture 2" descr="plot_I4.png"/>
+          <p:cNvPr id="2" name="Picture 1" descr="plot_I6.png"/>
           <p:cNvPicPr>
             <a:picLocks noChangeAspect="1"/>
           </p:cNvPicPr>
@@ -3307,7 +3250,7 @@
         </p:blipFill>
         <p:spPr>
           <a:xfrm>
-            <a:off x="0" y="1371600"/>
+            <a:off x="0" y="914400"/>
             <a:ext cx="9144000" cy="5486400"/>
           </a:xfrm>
           <a:prstGeom prst="rect">
@@ -3333,30 +3276,9 @@
         <p:nvPr/>
       </p:nvGrpSpPr>
       <p:grpSpPr/>
-      <p:sp>
-        <p:nvSpPr>
-          <p:cNvPr id="2" name="Title 1"/>
-          <p:cNvSpPr>
-            <a:spLocks noGrp="1"/>
-          </p:cNvSpPr>
-          <p:nvPr>
-            <p:ph type="title"/>
-          </p:nvPr>
-        </p:nvSpPr>
-        <p:spPr/>
-        <p:txBody>
-          <a:bodyPr/>
-          <a:lstStyle/>
-          <a:p>
-            <a:r>
-              <a:t>SKU E1</a:t>
-            </a:r>
-          </a:p>
-        </p:txBody>
-      </p:sp>
       <p:pic>
         <p:nvPicPr>
-          <p:cNvPr id="3" name="Picture 2" descr="plot_E1.png"/>
+          <p:cNvPr id="2" name="Picture 1" descr="plot_I7.png"/>
           <p:cNvPicPr>
             <a:picLocks noChangeAspect="1"/>
           </p:cNvPicPr>
@@ -3370,7 +3292,7 @@
         </p:blipFill>
         <p:spPr>
           <a:xfrm>
-            <a:off x="0" y="1371600"/>
+            <a:off x="0" y="914400"/>
             <a:ext cx="9144000" cy="5486400"/>
           </a:xfrm>
           <a:prstGeom prst="rect">
@@ -3396,30 +3318,9 @@
         <p:nvPr/>
       </p:nvGrpSpPr>
       <p:grpSpPr/>
-      <p:sp>
-        <p:nvSpPr>
-          <p:cNvPr id="2" name="Title 1"/>
-          <p:cNvSpPr>
-            <a:spLocks noGrp="1"/>
-          </p:cNvSpPr>
-          <p:nvPr>
-            <p:ph type="title"/>
-          </p:nvPr>
-        </p:nvSpPr>
-        <p:spPr/>
-        <p:txBody>
-          <a:bodyPr/>
-          <a:lstStyle/>
-          <a:p>
-            <a:r>
-              <a:t>SKU E3</a:t>
-            </a:r>
-          </a:p>
-        </p:txBody>
-      </p:sp>
       <p:pic>
         <p:nvPicPr>
-          <p:cNvPr id="3" name="Picture 2" descr="plot_E3.png"/>
+          <p:cNvPr id="2" name="Picture 1" descr="plot_I8.png"/>
           <p:cNvPicPr>
             <a:picLocks noChangeAspect="1"/>
           </p:cNvPicPr>
@@ -3433,7 +3334,7 @@
         </p:blipFill>
         <p:spPr>
           <a:xfrm>
-            <a:off x="0" y="1371600"/>
+            <a:off x="0" y="914400"/>
             <a:ext cx="9144000" cy="5486400"/>
           </a:xfrm>
           <a:prstGeom prst="rect">
@@ -3459,30 +3360,9 @@
         <p:nvPr/>
       </p:nvGrpSpPr>
       <p:grpSpPr/>
-      <p:sp>
-        <p:nvSpPr>
-          <p:cNvPr id="2" name="Title 1"/>
-          <p:cNvSpPr>
-            <a:spLocks noGrp="1"/>
-          </p:cNvSpPr>
-          <p:nvPr>
-            <p:ph type="title"/>
-          </p:nvPr>
-        </p:nvSpPr>
-        <p:spPr/>
-        <p:txBody>
-          <a:bodyPr/>
-          <a:lstStyle/>
-          <a:p>
-            <a:r>
-              <a:t>SKU I10</a:t>
-            </a:r>
-          </a:p>
-        </p:txBody>
-      </p:sp>
       <p:pic>
         <p:nvPicPr>
-          <p:cNvPr id="3" name="Picture 2" descr="plot_I10.png"/>
+          <p:cNvPr id="2" name="Picture 1" descr="plot_I8a.png"/>
           <p:cNvPicPr>
             <a:picLocks noChangeAspect="1"/>
           </p:cNvPicPr>
@@ -3496,7 +3376,7 @@
         </p:blipFill>
         <p:spPr>
           <a:xfrm>
-            <a:off x="0" y="1371600"/>
+            <a:off x="0" y="914400"/>
             <a:ext cx="9144000" cy="5486400"/>
           </a:xfrm>
           <a:prstGeom prst="rect">
@@ -3522,30 +3402,9 @@
         <p:nvPr/>
       </p:nvGrpSpPr>
       <p:grpSpPr/>
-      <p:sp>
-        <p:nvSpPr>
-          <p:cNvPr id="2" name="Title 1"/>
-          <p:cNvSpPr>
-            <a:spLocks noGrp="1"/>
-          </p:cNvSpPr>
-          <p:nvPr>
-            <p:ph type="title"/>
-          </p:nvPr>
-        </p:nvSpPr>
-        <p:spPr/>
-        <p:txBody>
-          <a:bodyPr/>
-          <a:lstStyle/>
-          <a:p>
-            <a:r>
-              <a:t>SKU I12</a:t>
-            </a:r>
-          </a:p>
-        </p:txBody>
-      </p:sp>
       <p:pic>
         <p:nvPicPr>
-          <p:cNvPr id="3" name="Picture 2" descr="plot_I12.png"/>
+          <p:cNvPr id="2" name="Picture 1" descr="plot_I9.png"/>
           <p:cNvPicPr>
             <a:picLocks noChangeAspect="1"/>
           </p:cNvPicPr>
@@ -3559,7 +3418,7 @@
         </p:blipFill>
         <p:spPr>
           <a:xfrm>
-            <a:off x="0" y="1371600"/>
+            <a:off x="0" y="914400"/>
             <a:ext cx="9144000" cy="5486400"/>
           </a:xfrm>
           <a:prstGeom prst="rect">
@@ -3585,30 +3444,9 @@
         <p:nvPr/>
       </p:nvGrpSpPr>
       <p:grpSpPr/>
-      <p:sp>
-        <p:nvSpPr>
-          <p:cNvPr id="2" name="Title 1"/>
-          <p:cNvSpPr>
-            <a:spLocks noGrp="1"/>
-          </p:cNvSpPr>
-          <p:nvPr>
-            <p:ph type="title"/>
-          </p:nvPr>
-        </p:nvSpPr>
-        <p:spPr/>
-        <p:txBody>
-          <a:bodyPr/>
-          <a:lstStyle/>
-          <a:p>
-            <a:r>
-              <a:t>SKU E6</a:t>
-            </a:r>
-          </a:p>
-        </p:txBody>
-      </p:sp>
       <p:pic>
         <p:nvPicPr>
-          <p:cNvPr id="3" name="Picture 2" descr="plot_E6.png"/>
+          <p:cNvPr id="2" name="Picture 1" descr="plot_I10.png"/>
           <p:cNvPicPr>
             <a:picLocks noChangeAspect="1"/>
           </p:cNvPicPr>
@@ -3622,7 +3460,7 @@
         </p:blipFill>
         <p:spPr>
           <a:xfrm>
-            <a:off x="0" y="1371600"/>
+            <a:off x="0" y="914400"/>
             <a:ext cx="9144000" cy="5486400"/>
           </a:xfrm>
           <a:prstGeom prst="rect">
@@ -3648,30 +3486,9 @@
         <p:nvPr/>
       </p:nvGrpSpPr>
       <p:grpSpPr/>
-      <p:sp>
-        <p:nvSpPr>
-          <p:cNvPr id="2" name="Title 1"/>
-          <p:cNvSpPr>
-            <a:spLocks noGrp="1"/>
-          </p:cNvSpPr>
-          <p:nvPr>
-            <p:ph type="title"/>
-          </p:nvPr>
-        </p:nvSpPr>
-        <p:spPr/>
-        <p:txBody>
-          <a:bodyPr/>
-          <a:lstStyle/>
-          <a:p>
-            <a:r>
-              <a:t>SKU E9</a:t>
-            </a:r>
-          </a:p>
-        </p:txBody>
-      </p:sp>
       <p:pic>
         <p:nvPicPr>
-          <p:cNvPr id="3" name="Picture 2" descr="plot_E9.png"/>
+          <p:cNvPr id="2" name="Picture 1" descr="plot_I11.png"/>
           <p:cNvPicPr>
             <a:picLocks noChangeAspect="1"/>
           </p:cNvPicPr>
@@ -3685,7 +3502,7 @@
         </p:blipFill>
         <p:spPr>
           <a:xfrm>
-            <a:off x="0" y="1371600"/>
+            <a:off x="0" y="914400"/>
             <a:ext cx="9144000" cy="5486400"/>
           </a:xfrm>
           <a:prstGeom prst="rect">
@@ -3711,30 +3528,9 @@
         <p:nvPr/>
       </p:nvGrpSpPr>
       <p:grpSpPr/>
-      <p:sp>
-        <p:nvSpPr>
-          <p:cNvPr id="2" name="Title 1"/>
-          <p:cNvSpPr>
-            <a:spLocks noGrp="1"/>
-          </p:cNvSpPr>
-          <p:nvPr>
-            <p:ph type="title"/>
-          </p:nvPr>
-        </p:nvSpPr>
-        <p:spPr/>
-        <p:txBody>
-          <a:bodyPr/>
-          <a:lstStyle/>
-          <a:p>
-            <a:r>
-              <a:t>SKU I2</a:t>
-            </a:r>
-          </a:p>
-        </p:txBody>
-      </p:sp>
       <p:pic>
         <p:nvPicPr>
-          <p:cNvPr id="3" name="Picture 2" descr="plot_I2.png"/>
+          <p:cNvPr id="2" name="Picture 1" descr="plot_I12.png"/>
           <p:cNvPicPr>
             <a:picLocks noChangeAspect="1"/>
           </p:cNvPicPr>
@@ -3748,7 +3544,7 @@
         </p:blipFill>
         <p:spPr>
           <a:xfrm>
-            <a:off x="0" y="1371600"/>
+            <a:off x="0" y="914400"/>
             <a:ext cx="9144000" cy="5486400"/>
           </a:xfrm>
           <a:prstGeom prst="rect">
@@ -3774,30 +3570,9 @@
         <p:nvPr/>
       </p:nvGrpSpPr>
       <p:grpSpPr/>
-      <p:sp>
-        <p:nvSpPr>
-          <p:cNvPr id="2" name="Title 1"/>
-          <p:cNvSpPr>
-            <a:spLocks noGrp="1"/>
-          </p:cNvSpPr>
-          <p:nvPr>
-            <p:ph type="title"/>
-          </p:nvPr>
-        </p:nvSpPr>
-        <p:spPr/>
-        <p:txBody>
-          <a:bodyPr/>
-          <a:lstStyle/>
-          <a:p>
-            <a:r>
-              <a:t>SKU W1</a:t>
-            </a:r>
-          </a:p>
-        </p:txBody>
-      </p:sp>
       <p:pic>
         <p:nvPicPr>
-          <p:cNvPr id="3" name="Picture 2" descr="plot_W1.png"/>
+          <p:cNvPr id="2" name="Picture 1" descr="plot_I13.png"/>
           <p:cNvPicPr>
             <a:picLocks noChangeAspect="1"/>
           </p:cNvPicPr>
@@ -3811,7 +3586,7 @@
         </p:blipFill>
         <p:spPr>
           <a:xfrm>
-            <a:off x="0" y="1371600"/>
+            <a:off x="0" y="914400"/>
             <a:ext cx="9144000" cy="5486400"/>
           </a:xfrm>
           <a:prstGeom prst="rect">
@@ -3837,30 +3612,9 @@
         <p:nvPr/>
       </p:nvGrpSpPr>
       <p:grpSpPr/>
-      <p:sp>
-        <p:nvSpPr>
-          <p:cNvPr id="2" name="Title 1"/>
-          <p:cNvSpPr>
-            <a:spLocks noGrp="1"/>
-          </p:cNvSpPr>
-          <p:nvPr>
-            <p:ph type="title"/>
-          </p:nvPr>
-        </p:nvSpPr>
-        <p:spPr/>
-        <p:txBody>
-          <a:bodyPr/>
-          <a:lstStyle/>
-          <a:p>
-            <a:r>
-              <a:t>SKU I1a</a:t>
-            </a:r>
-          </a:p>
-        </p:txBody>
-      </p:sp>
       <p:pic>
         <p:nvPicPr>
-          <p:cNvPr id="3" name="Picture 2" descr="plot_I1a.png"/>
+          <p:cNvPr id="2" name="Picture 1" descr="plot_I1.png"/>
           <p:cNvPicPr>
             <a:picLocks noChangeAspect="1"/>
           </p:cNvPicPr>
@@ -3874,7 +3628,7 @@
         </p:blipFill>
         <p:spPr>
           <a:xfrm>
-            <a:off x="0" y="1371600"/>
+            <a:off x="0" y="914400"/>
             <a:ext cx="9144000" cy="5486400"/>
           </a:xfrm>
           <a:prstGeom prst="rect">
@@ -3900,30 +3654,9 @@
         <p:nvPr/>
       </p:nvGrpSpPr>
       <p:grpSpPr/>
-      <p:sp>
-        <p:nvSpPr>
-          <p:cNvPr id="2" name="Title 1"/>
-          <p:cNvSpPr>
-            <a:spLocks noGrp="1"/>
-          </p:cNvSpPr>
-          <p:nvPr>
-            <p:ph type="title"/>
-          </p:nvPr>
-        </p:nvSpPr>
-        <p:spPr/>
-        <p:txBody>
-          <a:bodyPr/>
-          <a:lstStyle/>
-          <a:p>
-            <a:r>
-              <a:t>SKU I3</a:t>
-            </a:r>
-          </a:p>
-        </p:txBody>
-      </p:sp>
       <p:pic>
         <p:nvPicPr>
-          <p:cNvPr id="3" name="Picture 2" descr="plot_I3.png"/>
+          <p:cNvPr id="2" name="Picture 1" descr="plot_I14.png"/>
           <p:cNvPicPr>
             <a:picLocks noChangeAspect="1"/>
           </p:cNvPicPr>
@@ -3937,7 +3670,7 @@
         </p:blipFill>
         <p:spPr>
           <a:xfrm>
-            <a:off x="0" y="1371600"/>
+            <a:off x="0" y="914400"/>
             <a:ext cx="9144000" cy="5486400"/>
           </a:xfrm>
           <a:prstGeom prst="rect">
@@ -3963,30 +3696,9 @@
         <p:nvPr/>
       </p:nvGrpSpPr>
       <p:grpSpPr/>
-      <p:sp>
-        <p:nvSpPr>
-          <p:cNvPr id="2" name="Title 1"/>
-          <p:cNvSpPr>
-            <a:spLocks noGrp="1"/>
-          </p:cNvSpPr>
-          <p:nvPr>
-            <p:ph type="title"/>
-          </p:nvPr>
-        </p:nvSpPr>
-        <p:spPr/>
-        <p:txBody>
-          <a:bodyPr/>
-          <a:lstStyle/>
-          <a:p>
-            <a:r>
-              <a:t>SKU I7</a:t>
-            </a:r>
-          </a:p>
-        </p:txBody>
-      </p:sp>
       <p:pic>
         <p:nvPicPr>
-          <p:cNvPr id="3" name="Picture 2" descr="plot_I7.png"/>
+          <p:cNvPr id="2" name="Picture 1" descr="plot_I15.png"/>
           <p:cNvPicPr>
             <a:picLocks noChangeAspect="1"/>
           </p:cNvPicPr>
@@ -4000,7 +3712,7 @@
         </p:blipFill>
         <p:spPr>
           <a:xfrm>
-            <a:off x="0" y="1371600"/>
+            <a:off x="0" y="914400"/>
             <a:ext cx="9144000" cy="5486400"/>
           </a:xfrm>
           <a:prstGeom prst="rect">
@@ -4026,30 +3738,9 @@
         <p:nvPr/>
       </p:nvGrpSpPr>
       <p:grpSpPr/>
-      <p:sp>
-        <p:nvSpPr>
-          <p:cNvPr id="2" name="Title 1"/>
-          <p:cNvSpPr>
-            <a:spLocks noGrp="1"/>
-          </p:cNvSpPr>
-          <p:nvPr>
-            <p:ph type="title"/>
-          </p:nvPr>
-        </p:nvSpPr>
-        <p:spPr/>
-        <p:txBody>
-          <a:bodyPr/>
-          <a:lstStyle/>
-          <a:p>
-            <a:r>
-              <a:t>SKU E5</a:t>
-            </a:r>
-          </a:p>
-        </p:txBody>
-      </p:sp>
       <p:pic>
         <p:nvPicPr>
-          <p:cNvPr id="3" name="Picture 2" descr="plot_E5.png"/>
+          <p:cNvPr id="2" name="Picture 1" descr="plot_E1.png"/>
           <p:cNvPicPr>
             <a:picLocks noChangeAspect="1"/>
           </p:cNvPicPr>
@@ -4063,7 +3754,7 @@
         </p:blipFill>
         <p:spPr>
           <a:xfrm>
-            <a:off x="0" y="1371600"/>
+            <a:off x="0" y="914400"/>
             <a:ext cx="9144000" cy="5486400"/>
           </a:xfrm>
           <a:prstGeom prst="rect">
@@ -4089,30 +3780,9 @@
         <p:nvPr/>
       </p:nvGrpSpPr>
       <p:grpSpPr/>
-      <p:sp>
-        <p:nvSpPr>
-          <p:cNvPr id="2" name="Title 1"/>
-          <p:cNvSpPr>
-            <a:spLocks noGrp="1"/>
-          </p:cNvSpPr>
-          <p:nvPr>
-            <p:ph type="title"/>
-          </p:nvPr>
-        </p:nvSpPr>
-        <p:spPr/>
-        <p:txBody>
-          <a:bodyPr/>
-          <a:lstStyle/>
-          <a:p>
-            <a:r>
-              <a:t>SKU W3</a:t>
-            </a:r>
-          </a:p>
-        </p:txBody>
-      </p:sp>
       <p:pic>
         <p:nvPicPr>
-          <p:cNvPr id="3" name="Picture 2" descr="plot_W3.png"/>
+          <p:cNvPr id="2" name="Picture 1" descr="plot_E2.png"/>
           <p:cNvPicPr>
             <a:picLocks noChangeAspect="1"/>
           </p:cNvPicPr>
@@ -4126,7 +3796,7 @@
         </p:blipFill>
         <p:spPr>
           <a:xfrm>
-            <a:off x="0" y="1371600"/>
+            <a:off x="0" y="914400"/>
             <a:ext cx="9144000" cy="5486400"/>
           </a:xfrm>
           <a:prstGeom prst="rect">
@@ -4152,30 +3822,9 @@
         <p:nvPr/>
       </p:nvGrpSpPr>
       <p:grpSpPr/>
-      <p:sp>
-        <p:nvSpPr>
-          <p:cNvPr id="2" name="Title 1"/>
-          <p:cNvSpPr>
-            <a:spLocks noGrp="1"/>
-          </p:cNvSpPr>
-          <p:nvPr>
-            <p:ph type="title"/>
-          </p:nvPr>
-        </p:nvSpPr>
-        <p:spPr/>
-        <p:txBody>
-          <a:bodyPr/>
-          <a:lstStyle/>
-          <a:p>
-            <a:r>
-              <a:t>SKU W4</a:t>
-            </a:r>
-          </a:p>
-        </p:txBody>
-      </p:sp>
       <p:pic>
         <p:nvPicPr>
-          <p:cNvPr id="3" name="Picture 2" descr="plot_W4.png"/>
+          <p:cNvPr id="2" name="Picture 1" descr="plot_E3.png"/>
           <p:cNvPicPr>
             <a:picLocks noChangeAspect="1"/>
           </p:cNvPicPr>
@@ -4189,7 +3838,7 @@
         </p:blipFill>
         <p:spPr>
           <a:xfrm>
-            <a:off x="0" y="1371600"/>
+            <a:off x="0" y="914400"/>
             <a:ext cx="9144000" cy="5486400"/>
           </a:xfrm>
           <a:prstGeom prst="rect">
@@ -4215,30 +3864,9 @@
         <p:nvPr/>
       </p:nvGrpSpPr>
       <p:grpSpPr/>
-      <p:sp>
-        <p:nvSpPr>
-          <p:cNvPr id="2" name="Title 1"/>
-          <p:cNvSpPr>
-            <a:spLocks noGrp="1"/>
-          </p:cNvSpPr>
-          <p:nvPr>
-            <p:ph type="title"/>
-          </p:nvPr>
-        </p:nvSpPr>
-        <p:spPr/>
-        <p:txBody>
-          <a:bodyPr/>
-          <a:lstStyle/>
-          <a:p>
-            <a:r>
-              <a:t>SKU E8</a:t>
-            </a:r>
-          </a:p>
-        </p:txBody>
-      </p:sp>
       <p:pic>
         <p:nvPicPr>
-          <p:cNvPr id="3" name="Picture 2" descr="plot_E8.png"/>
+          <p:cNvPr id="2" name="Picture 1" descr="plot_E4B.png"/>
           <p:cNvPicPr>
             <a:picLocks noChangeAspect="1"/>
           </p:cNvPicPr>
@@ -4252,7 +3880,7 @@
         </p:blipFill>
         <p:spPr>
           <a:xfrm>
-            <a:off x="0" y="1371600"/>
+            <a:off x="0" y="914400"/>
             <a:ext cx="9144000" cy="5486400"/>
           </a:xfrm>
           <a:prstGeom prst="rect">
@@ -4278,30 +3906,9 @@
         <p:nvPr/>
       </p:nvGrpSpPr>
       <p:grpSpPr/>
-      <p:sp>
-        <p:nvSpPr>
-          <p:cNvPr id="2" name="Title 1"/>
-          <p:cNvSpPr>
-            <a:spLocks noGrp="1"/>
-          </p:cNvSpPr>
-          <p:nvPr>
-            <p:ph type="title"/>
-          </p:nvPr>
-        </p:nvSpPr>
-        <p:spPr/>
-        <p:txBody>
-          <a:bodyPr/>
-          <a:lstStyle/>
-          <a:p>
-            <a:r>
-              <a:t>SKU I5</a:t>
-            </a:r>
-          </a:p>
-        </p:txBody>
-      </p:sp>
       <p:pic>
         <p:nvPicPr>
-          <p:cNvPr id="3" name="Picture 2" descr="plot_I5.png"/>
+          <p:cNvPr id="2" name="Picture 1" descr="plot_E4M.png"/>
           <p:cNvPicPr>
             <a:picLocks noChangeAspect="1"/>
           </p:cNvPicPr>
@@ -4315,7 +3922,7 @@
         </p:blipFill>
         <p:spPr>
           <a:xfrm>
-            <a:off x="0" y="1371600"/>
+            <a:off x="0" y="914400"/>
             <a:ext cx="9144000" cy="5486400"/>
           </a:xfrm>
           <a:prstGeom prst="rect">
@@ -4341,30 +3948,9 @@
         <p:nvPr/>
       </p:nvGrpSpPr>
       <p:grpSpPr/>
-      <p:sp>
-        <p:nvSpPr>
-          <p:cNvPr id="2" name="Title 1"/>
-          <p:cNvSpPr>
-            <a:spLocks noGrp="1"/>
-          </p:cNvSpPr>
-          <p:nvPr>
-            <p:ph type="title"/>
-          </p:nvPr>
-        </p:nvSpPr>
-        <p:spPr/>
-        <p:txBody>
-          <a:bodyPr/>
-          <a:lstStyle/>
-          <a:p>
-            <a:r>
-              <a:t>SKU I14</a:t>
-            </a:r>
-          </a:p>
-        </p:txBody>
-      </p:sp>
       <p:pic>
         <p:nvPicPr>
-          <p:cNvPr id="3" name="Picture 2" descr="plot_I14.png"/>
+          <p:cNvPr id="2" name="Picture 1" descr="plot_E5.png"/>
           <p:cNvPicPr>
             <a:picLocks noChangeAspect="1"/>
           </p:cNvPicPr>
@@ -4378,7 +3964,7 @@
         </p:blipFill>
         <p:spPr>
           <a:xfrm>
-            <a:off x="0" y="1371600"/>
+            <a:off x="0" y="914400"/>
             <a:ext cx="9144000" cy="5486400"/>
           </a:xfrm>
           <a:prstGeom prst="rect">
@@ -4404,30 +3990,9 @@
         <p:nvPr/>
       </p:nvGrpSpPr>
       <p:grpSpPr/>
-      <p:sp>
-        <p:nvSpPr>
-          <p:cNvPr id="2" name="Title 1"/>
-          <p:cNvSpPr>
-            <a:spLocks noGrp="1"/>
-          </p:cNvSpPr>
-          <p:nvPr>
-            <p:ph type="title"/>
-          </p:nvPr>
-        </p:nvSpPr>
-        <p:spPr/>
-        <p:txBody>
-          <a:bodyPr/>
-          <a:lstStyle/>
-          <a:p>
-            <a:r>
-              <a:t>SKU I11</a:t>
-            </a:r>
-          </a:p>
-        </p:txBody>
-      </p:sp>
       <p:pic>
         <p:nvPicPr>
-          <p:cNvPr id="3" name="Picture 2" descr="plot_I11.png"/>
+          <p:cNvPr id="2" name="Picture 1" descr="plot_E6.png"/>
           <p:cNvPicPr>
             <a:picLocks noChangeAspect="1"/>
           </p:cNvPicPr>
@@ -4441,7 +4006,7 @@
         </p:blipFill>
         <p:spPr>
           <a:xfrm>
-            <a:off x="0" y="1371600"/>
+            <a:off x="0" y="914400"/>
             <a:ext cx="9144000" cy="5486400"/>
           </a:xfrm>
           <a:prstGeom prst="rect">
@@ -4467,30 +4032,9 @@
         <p:nvPr/>
       </p:nvGrpSpPr>
       <p:grpSpPr/>
-      <p:sp>
-        <p:nvSpPr>
-          <p:cNvPr id="2" name="Title 1"/>
-          <p:cNvSpPr>
-            <a:spLocks noGrp="1"/>
-          </p:cNvSpPr>
-          <p:nvPr>
-            <p:ph type="title"/>
-          </p:nvPr>
-        </p:nvSpPr>
-        <p:spPr/>
-        <p:txBody>
-          <a:bodyPr/>
-          <a:lstStyle/>
-          <a:p>
-            <a:r>
-              <a:t>SKU I1</a:t>
-            </a:r>
-          </a:p>
-        </p:txBody>
-      </p:sp>
       <p:pic>
         <p:nvPicPr>
-          <p:cNvPr id="3" name="Picture 2" descr="plot_I1.png"/>
+          <p:cNvPr id="2" name="Picture 1" descr="plot_E7.png"/>
           <p:cNvPicPr>
             <a:picLocks noChangeAspect="1"/>
           </p:cNvPicPr>
@@ -4504,7 +4048,7 @@
         </p:blipFill>
         <p:spPr>
           <a:xfrm>
-            <a:off x="0" y="1371600"/>
+            <a:off x="0" y="914400"/>
             <a:ext cx="9144000" cy="5486400"/>
           </a:xfrm>
           <a:prstGeom prst="rect">
@@ -4530,30 +4074,9 @@
         <p:nvPr/>
       </p:nvGrpSpPr>
       <p:grpSpPr/>
-      <p:sp>
-        <p:nvSpPr>
-          <p:cNvPr id="2" name="Title 1"/>
-          <p:cNvSpPr>
-            <a:spLocks noGrp="1"/>
-          </p:cNvSpPr>
-          <p:nvPr>
-            <p:ph type="title"/>
-          </p:nvPr>
-        </p:nvSpPr>
-        <p:spPr/>
-        <p:txBody>
-          <a:bodyPr/>
-          <a:lstStyle/>
-          <a:p>
-            <a:r>
-              <a:t>SKU I2a</a:t>
-            </a:r>
-          </a:p>
-        </p:txBody>
-      </p:sp>
       <p:pic>
         <p:nvPicPr>
-          <p:cNvPr id="3" name="Picture 2" descr="plot_I2a.png"/>
+          <p:cNvPr id="2" name="Picture 1" descr="plot_I1a.png"/>
           <p:cNvPicPr>
             <a:picLocks noChangeAspect="1"/>
           </p:cNvPicPr>
@@ -4567,7 +4090,7 @@
         </p:blipFill>
         <p:spPr>
           <a:xfrm>
-            <a:off x="0" y="1371600"/>
+            <a:off x="0" y="914400"/>
             <a:ext cx="9144000" cy="5486400"/>
           </a:xfrm>
           <a:prstGeom prst="rect">
@@ -4593,30 +4116,9 @@
         <p:nvPr/>
       </p:nvGrpSpPr>
       <p:grpSpPr/>
-      <p:sp>
-        <p:nvSpPr>
-          <p:cNvPr id="2" name="Title 1"/>
-          <p:cNvSpPr>
-            <a:spLocks noGrp="1"/>
-          </p:cNvSpPr>
-          <p:nvPr>
-            <p:ph type="title"/>
-          </p:nvPr>
-        </p:nvSpPr>
-        <p:spPr/>
-        <p:txBody>
-          <a:bodyPr/>
-          <a:lstStyle/>
-          <a:p>
-            <a:r>
-              <a:t>SKU I13</a:t>
-            </a:r>
-          </a:p>
-        </p:txBody>
-      </p:sp>
       <p:pic>
         <p:nvPicPr>
-          <p:cNvPr id="3" name="Picture 2" descr="plot_I13.png"/>
+          <p:cNvPr id="2" name="Picture 1" descr="plot_E8.png"/>
           <p:cNvPicPr>
             <a:picLocks noChangeAspect="1"/>
           </p:cNvPicPr>
@@ -4630,7 +4132,7 @@
         </p:blipFill>
         <p:spPr>
           <a:xfrm>
-            <a:off x="0" y="1371600"/>
+            <a:off x="0" y="914400"/>
             <a:ext cx="9144000" cy="5486400"/>
           </a:xfrm>
           <a:prstGeom prst="rect">
@@ -4656,30 +4158,9 @@
         <p:nvPr/>
       </p:nvGrpSpPr>
       <p:grpSpPr/>
-      <p:sp>
-        <p:nvSpPr>
-          <p:cNvPr id="2" name="Title 1"/>
-          <p:cNvSpPr>
-            <a:spLocks noGrp="1"/>
-          </p:cNvSpPr>
-          <p:nvPr>
-            <p:ph type="title"/>
-          </p:nvPr>
-        </p:nvSpPr>
-        <p:spPr/>
-        <p:txBody>
-          <a:bodyPr/>
-          <a:lstStyle/>
-          <a:p>
-            <a:r>
-              <a:t>SKU I15</a:t>
-            </a:r>
-          </a:p>
-        </p:txBody>
-      </p:sp>
       <p:pic>
         <p:nvPicPr>
-          <p:cNvPr id="3" name="Picture 2" descr="plot_I15.png"/>
+          <p:cNvPr id="2" name="Picture 1" descr="plot_E9.png"/>
           <p:cNvPicPr>
             <a:picLocks noChangeAspect="1"/>
           </p:cNvPicPr>
@@ -4693,7 +4174,7 @@
         </p:blipFill>
         <p:spPr>
           <a:xfrm>
-            <a:off x="0" y="1371600"/>
+            <a:off x="0" y="914400"/>
             <a:ext cx="9144000" cy="5486400"/>
           </a:xfrm>
           <a:prstGeom prst="rect">
@@ -4719,30 +4200,9 @@
         <p:nvPr/>
       </p:nvGrpSpPr>
       <p:grpSpPr/>
-      <p:sp>
-        <p:nvSpPr>
-          <p:cNvPr id="2" name="Title 1"/>
-          <p:cNvSpPr>
-            <a:spLocks noGrp="1"/>
-          </p:cNvSpPr>
-          <p:nvPr>
-            <p:ph type="title"/>
-          </p:nvPr>
-        </p:nvSpPr>
-        <p:spPr/>
-        <p:txBody>
-          <a:bodyPr/>
-          <a:lstStyle/>
-          <a:p>
-            <a:r>
-              <a:t>SKU E10</a:t>
-            </a:r>
-          </a:p>
-        </p:txBody>
-      </p:sp>
       <p:pic>
         <p:nvPicPr>
-          <p:cNvPr id="3" name="Picture 2" descr="plot_E10.png"/>
+          <p:cNvPr id="2" name="Picture 1" descr="plot_E10.png"/>
           <p:cNvPicPr>
             <a:picLocks noChangeAspect="1"/>
           </p:cNvPicPr>
@@ -4756,7 +4216,7 @@
         </p:blipFill>
         <p:spPr>
           <a:xfrm>
-            <a:off x="0" y="1371600"/>
+            <a:off x="0" y="914400"/>
             <a:ext cx="9144000" cy="5486400"/>
           </a:xfrm>
           <a:prstGeom prst="rect">
@@ -4782,30 +4242,9 @@
         <p:nvPr/>
       </p:nvGrpSpPr>
       <p:grpSpPr/>
-      <p:sp>
-        <p:nvSpPr>
-          <p:cNvPr id="2" name="Title 1"/>
-          <p:cNvSpPr>
-            <a:spLocks noGrp="1"/>
-          </p:cNvSpPr>
-          <p:nvPr>
-            <p:ph type="title"/>
-          </p:nvPr>
-        </p:nvSpPr>
-        <p:spPr/>
-        <p:txBody>
-          <a:bodyPr/>
-          <a:lstStyle/>
-          <a:p>
-            <a:r>
-              <a:t>SKU E11</a:t>
-            </a:r>
-          </a:p>
-        </p:txBody>
-      </p:sp>
       <p:pic>
         <p:nvPicPr>
-          <p:cNvPr id="3" name="Picture 2" descr="plot_E11.png"/>
+          <p:cNvPr id="2" name="Picture 1" descr="plot_E11.png"/>
           <p:cNvPicPr>
             <a:picLocks noChangeAspect="1"/>
           </p:cNvPicPr>
@@ -4819,7 +4258,7 @@
         </p:blipFill>
         <p:spPr>
           <a:xfrm>
-            <a:off x="0" y="1371600"/>
+            <a:off x="0" y="914400"/>
             <a:ext cx="9144000" cy="5486400"/>
           </a:xfrm>
           <a:prstGeom prst="rect">
@@ -4845,30 +4284,9 @@
         <p:nvPr/>
       </p:nvGrpSpPr>
       <p:grpSpPr/>
-      <p:sp>
-        <p:nvSpPr>
-          <p:cNvPr id="2" name="Title 1"/>
-          <p:cNvSpPr>
-            <a:spLocks noGrp="1"/>
-          </p:cNvSpPr>
-          <p:nvPr>
-            <p:ph type="title"/>
-          </p:nvPr>
-        </p:nvSpPr>
-        <p:spPr/>
-        <p:txBody>
-          <a:bodyPr/>
-          <a:lstStyle/>
-          <a:p>
-            <a:r>
-              <a:t>SKU W2</a:t>
-            </a:r>
-          </a:p>
-        </p:txBody>
-      </p:sp>
       <p:pic>
         <p:nvPicPr>
-          <p:cNvPr id="3" name="Picture 2" descr="plot_W2.png"/>
+          <p:cNvPr id="2" name="Picture 1" descr="plot_W1.png"/>
           <p:cNvPicPr>
             <a:picLocks noChangeAspect="1"/>
           </p:cNvPicPr>
@@ -4882,7 +4300,7 @@
         </p:blipFill>
         <p:spPr>
           <a:xfrm>
-            <a:off x="0" y="1371600"/>
+            <a:off x="0" y="914400"/>
             <a:ext cx="9144000" cy="5486400"/>
           </a:xfrm>
           <a:prstGeom prst="rect">
@@ -4908,30 +4326,9 @@
         <p:nvPr/>
       </p:nvGrpSpPr>
       <p:grpSpPr/>
-      <p:sp>
-        <p:nvSpPr>
-          <p:cNvPr id="2" name="Title 1"/>
-          <p:cNvSpPr>
-            <a:spLocks noGrp="1"/>
-          </p:cNvSpPr>
-          <p:nvPr>
-            <p:ph type="title"/>
-          </p:nvPr>
-        </p:nvSpPr>
-        <p:spPr/>
-        <p:txBody>
-          <a:bodyPr/>
-          <a:lstStyle/>
-          <a:p>
-            <a:r>
-              <a:t>SKU I6</a:t>
-            </a:r>
-          </a:p>
-        </p:txBody>
-      </p:sp>
       <p:pic>
         <p:nvPicPr>
-          <p:cNvPr id="3" name="Picture 2" descr="plot_I6.png"/>
+          <p:cNvPr id="2" name="Picture 1" descr="plot_W3.png"/>
           <p:cNvPicPr>
             <a:picLocks noChangeAspect="1"/>
           </p:cNvPicPr>
@@ -4945,7 +4342,7 @@
         </p:blipFill>
         <p:spPr>
           <a:xfrm>
-            <a:off x="0" y="1371600"/>
+            <a:off x="0" y="914400"/>
             <a:ext cx="9144000" cy="5486400"/>
           </a:xfrm>
           <a:prstGeom prst="rect">
@@ -4971,30 +4368,9 @@
         <p:nvPr/>
       </p:nvGrpSpPr>
       <p:grpSpPr/>
-      <p:sp>
-        <p:nvSpPr>
-          <p:cNvPr id="2" name="Title 1"/>
-          <p:cNvSpPr>
-            <a:spLocks noGrp="1"/>
-          </p:cNvSpPr>
-          <p:nvPr>
-            <p:ph type="title"/>
-          </p:nvPr>
-        </p:nvSpPr>
-        <p:spPr/>
-        <p:txBody>
-          <a:bodyPr/>
-          <a:lstStyle/>
-          <a:p>
-            <a:r>
-              <a:t>SKU T2</a:t>
-            </a:r>
-          </a:p>
-        </p:txBody>
-      </p:sp>
       <p:pic>
         <p:nvPicPr>
-          <p:cNvPr id="3" name="Picture 2" descr="plot_T2.png"/>
+          <p:cNvPr id="2" name="Picture 1" descr="plot_W2.png"/>
           <p:cNvPicPr>
             <a:picLocks noChangeAspect="1"/>
           </p:cNvPicPr>
@@ -5008,7 +4384,7 @@
         </p:blipFill>
         <p:spPr>
           <a:xfrm>
-            <a:off x="0" y="1371600"/>
+            <a:off x="0" y="914400"/>
             <a:ext cx="9144000" cy="5486400"/>
           </a:xfrm>
           <a:prstGeom prst="rect">
@@ -5034,30 +4410,9 @@
         <p:nvPr/>
       </p:nvGrpSpPr>
       <p:grpSpPr/>
-      <p:sp>
-        <p:nvSpPr>
-          <p:cNvPr id="2" name="Title 1"/>
-          <p:cNvSpPr>
-            <a:spLocks noGrp="1"/>
-          </p:cNvSpPr>
-          <p:nvPr>
-            <p:ph type="title"/>
-          </p:nvPr>
-        </p:nvSpPr>
-        <p:spPr/>
-        <p:txBody>
-          <a:bodyPr/>
-          <a:lstStyle/>
-          <a:p>
-            <a:r>
-              <a:t>SKU I8</a:t>
-            </a:r>
-          </a:p>
-        </p:txBody>
-      </p:sp>
       <p:pic>
         <p:nvPicPr>
-          <p:cNvPr id="3" name="Picture 2" descr="plot_I8.png"/>
+          <p:cNvPr id="2" name="Picture 1" descr="plot_W4.png"/>
           <p:cNvPicPr>
             <a:picLocks noChangeAspect="1"/>
           </p:cNvPicPr>
@@ -5071,7 +4426,7 @@
         </p:blipFill>
         <p:spPr>
           <a:xfrm>
-            <a:off x="0" y="1371600"/>
+            <a:off x="0" y="914400"/>
             <a:ext cx="9144000" cy="5486400"/>
           </a:xfrm>
           <a:prstGeom prst="rect">
@@ -5097,30 +4452,9 @@
         <p:nvPr/>
       </p:nvGrpSpPr>
       <p:grpSpPr/>
-      <p:sp>
-        <p:nvSpPr>
-          <p:cNvPr id="2" name="Title 1"/>
-          <p:cNvSpPr>
-            <a:spLocks noGrp="1"/>
-          </p:cNvSpPr>
-          <p:nvPr>
-            <p:ph type="title"/>
-          </p:nvPr>
-        </p:nvSpPr>
-        <p:spPr/>
-        <p:txBody>
-          <a:bodyPr/>
-          <a:lstStyle/>
-          <a:p>
-            <a:r>
-              <a:t>SKU T1</a:t>
-            </a:r>
-          </a:p>
-        </p:txBody>
-      </p:sp>
       <p:pic>
         <p:nvPicPr>
-          <p:cNvPr id="3" name="Picture 2" descr="plot_T1.png"/>
+          <p:cNvPr id="2" name="Picture 1" descr="plot_T1.png"/>
           <p:cNvPicPr>
             <a:picLocks noChangeAspect="1"/>
           </p:cNvPicPr>
@@ -5134,7 +4468,7 @@
         </p:blipFill>
         <p:spPr>
           <a:xfrm>
-            <a:off x="0" y="1371600"/>
+            <a:off x="0" y="914400"/>
             <a:ext cx="9144000" cy="5486400"/>
           </a:xfrm>
           <a:prstGeom prst="rect">
@@ -5160,30 +4494,9 @@
         <p:nvPr/>
       </p:nvGrpSpPr>
       <p:grpSpPr/>
-      <p:sp>
-        <p:nvSpPr>
-          <p:cNvPr id="2" name="Title 1"/>
-          <p:cNvSpPr>
-            <a:spLocks noGrp="1"/>
-          </p:cNvSpPr>
-          <p:nvPr>
-            <p:ph type="title"/>
-          </p:nvPr>
-        </p:nvSpPr>
-        <p:spPr/>
-        <p:txBody>
-          <a:bodyPr/>
-          <a:lstStyle/>
-          <a:p>
-            <a:r>
-              <a:t>SKU T3</a:t>
-            </a:r>
-          </a:p>
-        </p:txBody>
-      </p:sp>
       <p:pic>
         <p:nvPicPr>
-          <p:cNvPr id="3" name="Picture 2" descr="plot_T3.png"/>
+          <p:cNvPr id="2" name="Picture 1" descr="plot_T2.png"/>
           <p:cNvPicPr>
             <a:picLocks noChangeAspect="1"/>
           </p:cNvPicPr>
@@ -5197,7 +4510,7 @@
         </p:blipFill>
         <p:spPr>
           <a:xfrm>
-            <a:off x="0" y="1371600"/>
+            <a:off x="0" y="914400"/>
             <a:ext cx="9144000" cy="5486400"/>
           </a:xfrm>
           <a:prstGeom prst="rect">
@@ -5223,30 +4536,9 @@
         <p:nvPr/>
       </p:nvGrpSpPr>
       <p:grpSpPr/>
-      <p:sp>
-        <p:nvSpPr>
-          <p:cNvPr id="2" name="Title 1"/>
-          <p:cNvSpPr>
-            <a:spLocks noGrp="1"/>
-          </p:cNvSpPr>
-          <p:nvPr>
-            <p:ph type="title"/>
-          </p:nvPr>
-        </p:nvSpPr>
-        <p:spPr/>
-        <p:txBody>
-          <a:bodyPr/>
-          <a:lstStyle/>
-          <a:p>
-            <a:r>
-              <a:t>SKU I8a</a:t>
-            </a:r>
-          </a:p>
-        </p:txBody>
-      </p:sp>
       <p:pic>
         <p:nvPicPr>
-          <p:cNvPr id="3" name="Picture 2" descr="plot_I8a.png"/>
+          <p:cNvPr id="2" name="Picture 1" descr="plot_I2.png"/>
           <p:cNvPicPr>
             <a:picLocks noChangeAspect="1"/>
           </p:cNvPicPr>
@@ -5260,7 +4552,7 @@
         </p:blipFill>
         <p:spPr>
           <a:xfrm>
-            <a:off x="0" y="1371600"/>
+            <a:off x="0" y="914400"/>
             <a:ext cx="9144000" cy="5486400"/>
           </a:xfrm>
           <a:prstGeom prst="rect">
@@ -5286,90 +4578,9 @@
         <p:nvPr/>
       </p:nvGrpSpPr>
       <p:grpSpPr/>
-      <p:sp>
-        <p:nvSpPr>
-          <p:cNvPr id="2" name="Title 1"/>
-          <p:cNvSpPr>
-            <a:spLocks noGrp="1"/>
-          </p:cNvSpPr>
-          <p:nvPr>
-            <p:ph type="ctrTitle"/>
-          </p:nvPr>
-        </p:nvSpPr>
-        <p:spPr/>
-        <p:txBody>
-          <a:bodyPr/>
-          <a:lstStyle/>
-          <a:p>
-            <a:r>
-              <a:t>TABLO - SKU PRICE BY SKU</a:t>
-            </a:r>
-          </a:p>
-        </p:txBody>
-      </p:sp>
-      <p:sp>
-        <p:nvSpPr>
-          <p:cNvPr id="3" name="Subtitle 2"/>
-          <p:cNvSpPr>
-            <a:spLocks noGrp="1"/>
-          </p:cNvSpPr>
-          <p:nvPr>
-            <p:ph type="subTitle" idx="1"/>
-          </p:nvPr>
-        </p:nvSpPr>
-        <p:spPr/>
-        <p:txBody>
-          <a:bodyPr/>
-          <a:lstStyle/>
-          <a:p>
-            <a:r>
-              <a:t>Python was here!</a:t>
-            </a:r>
-          </a:p>
-        </p:txBody>
-      </p:sp>
-    </p:spTree>
-  </p:cSld>
-  <p:clrMapOvr>
-    <a:masterClrMapping/>
-  </p:clrMapOvr>
-</p:sld>
-</file>
-
-<file path=ppt/slides/slide41.xml><?xml version="1.0" encoding="utf-8"?>
-<p:sld xmlns:a="http://schemas.openxmlformats.org/drawingml/2006/main" xmlns:p="http://schemas.openxmlformats.org/presentationml/2006/main" xmlns:r="http://schemas.openxmlformats.org/officeDocument/2006/relationships">
-  <p:cSld>
-    <p:spTree>
-      <p:nvGrpSpPr>
-        <p:cNvPr id="1" name=""/>
-        <p:cNvGrpSpPr/>
-        <p:nvPr/>
-      </p:nvGrpSpPr>
-      <p:grpSpPr/>
-      <p:sp>
-        <p:nvSpPr>
-          <p:cNvPr id="2" name="Title 1"/>
-          <p:cNvSpPr>
-            <a:spLocks noGrp="1"/>
-          </p:cNvSpPr>
-          <p:nvPr>
-            <p:ph type="title"/>
-          </p:nvPr>
-        </p:nvSpPr>
-        <p:spPr/>
-        <p:txBody>
-          <a:bodyPr/>
-          <a:lstStyle/>
-          <a:p>
-            <a:r>
-              <a:t>SKU Hà Nội Siêu cao cấp</a:t>
-            </a:r>
-          </a:p>
-        </p:txBody>
-      </p:sp>
       <p:pic>
         <p:nvPicPr>
-          <p:cNvPr id="3" name="Picture 2" descr="plotHà Nội.png"/>
+          <p:cNvPr id="2" name="Picture 1" descr="plot_T3.png"/>
           <p:cNvPicPr>
             <a:picLocks noChangeAspect="1"/>
           </p:cNvPicPr>
@@ -5383,7 +4594,7 @@
         </p:blipFill>
         <p:spPr>
           <a:xfrm>
-            <a:off x="0" y="1371600"/>
+            <a:off x="0" y="914400"/>
             <a:ext cx="9144000" cy="5486400"/>
           </a:xfrm>
           <a:prstGeom prst="rect">
@@ -5399,7 +4610,7 @@
 </p:sld>
 </file>
 
-<file path=ppt/slides/slide42.xml><?xml version="1.0" encoding="utf-8"?>
+<file path=ppt/slides/slide41.xml><?xml version="1.0" encoding="utf-8"?>
 <p:sld xmlns:a="http://schemas.openxmlformats.org/drawingml/2006/main" xmlns:p="http://schemas.openxmlformats.org/presentationml/2006/main" xmlns:r="http://schemas.openxmlformats.org/officeDocument/2006/relationships">
   <p:cSld>
     <p:spTree>
@@ -5409,30 +4620,9 @@
         <p:nvPr/>
       </p:nvGrpSpPr>
       <p:grpSpPr/>
-      <p:sp>
-        <p:nvSpPr>
-          <p:cNvPr id="2" name="Title 1"/>
-          <p:cNvSpPr>
-            <a:spLocks noGrp="1"/>
-          </p:cNvSpPr>
-          <p:nvPr>
-            <p:ph type="title"/>
-          </p:nvPr>
-        </p:nvSpPr>
-        <p:spPr/>
-        <p:txBody>
-          <a:bodyPr/>
-          <a:lstStyle/>
-          <a:p>
-            <a:r>
-              <a:t>SKU Hà Nội Cao cấp</a:t>
-            </a:r>
-          </a:p>
-        </p:txBody>
-      </p:sp>
       <p:pic>
         <p:nvPicPr>
-          <p:cNvPr id="3" name="Picture 2" descr="plotHà Nội.png"/>
+          <p:cNvPr id="2" name="Picture 1" descr="plot_I5e.png"/>
           <p:cNvPicPr>
             <a:picLocks noChangeAspect="1"/>
           </p:cNvPicPr>
@@ -5446,7 +4636,7 @@
         </p:blipFill>
         <p:spPr>
           <a:xfrm>
-            <a:off x="0" y="1371600"/>
+            <a:off x="0" y="914400"/>
             <a:ext cx="9144000" cy="5486400"/>
           </a:xfrm>
           <a:prstGeom prst="rect">
@@ -5462,7 +4652,7 @@
 </p:sld>
 </file>
 
-<file path=ppt/slides/slide43.xml><?xml version="1.0" encoding="utf-8"?>
+<file path=ppt/slides/slide42.xml><?xml version="1.0" encoding="utf-8"?>
 <p:sld xmlns:a="http://schemas.openxmlformats.org/drawingml/2006/main" xmlns:p="http://schemas.openxmlformats.org/presentationml/2006/main" xmlns:r="http://schemas.openxmlformats.org/officeDocument/2006/relationships">
   <p:cSld>
     <p:spTree>
@@ -5472,30 +4662,9 @@
         <p:nvPr/>
       </p:nvGrpSpPr>
       <p:grpSpPr/>
-      <p:sp>
-        <p:nvSpPr>
-          <p:cNvPr id="2" name="Title 1"/>
-          <p:cNvSpPr>
-            <a:spLocks noGrp="1"/>
-          </p:cNvSpPr>
-          <p:nvPr>
-            <p:ph type="title"/>
-          </p:nvPr>
-        </p:nvSpPr>
-        <p:spPr/>
-        <p:txBody>
-          <a:bodyPr/>
-          <a:lstStyle/>
-          <a:p>
-            <a:r>
-              <a:t>SKU Hà Nội Trung cấp</a:t>
-            </a:r>
-          </a:p>
-        </p:txBody>
-      </p:sp>
       <p:pic>
         <p:nvPicPr>
-          <p:cNvPr id="3" name="Picture 2" descr="plotHà Nội.png"/>
+          <p:cNvPr id="2" name="Picture 1" descr="plot_I6e.png"/>
           <p:cNvPicPr>
             <a:picLocks noChangeAspect="1"/>
           </p:cNvPicPr>
@@ -5509,7 +4678,7 @@
         </p:blipFill>
         <p:spPr>
           <a:xfrm>
-            <a:off x="0" y="1371600"/>
+            <a:off x="0" y="914400"/>
             <a:ext cx="9144000" cy="5486400"/>
           </a:xfrm>
           <a:prstGeom prst="rect">
@@ -5525,7 +4694,7 @@
 </p:sld>
 </file>
 
-<file path=ppt/slides/slide44.xml><?xml version="1.0" encoding="utf-8"?>
+<file path=ppt/slides/slide43.xml><?xml version="1.0" encoding="utf-8"?>
 <p:sld xmlns:a="http://schemas.openxmlformats.org/drawingml/2006/main" xmlns:p="http://schemas.openxmlformats.org/presentationml/2006/main" xmlns:r="http://schemas.openxmlformats.org/officeDocument/2006/relationships">
   <p:cSld>
     <p:spTree>
@@ -5535,30 +4704,9 @@
         <p:nvPr/>
       </p:nvGrpSpPr>
       <p:grpSpPr/>
-      <p:sp>
-        <p:nvSpPr>
-          <p:cNvPr id="2" name="Title 1"/>
-          <p:cNvSpPr>
-            <a:spLocks noGrp="1"/>
-          </p:cNvSpPr>
-          <p:nvPr>
-            <p:ph type="title"/>
-          </p:nvPr>
-        </p:nvSpPr>
-        <p:spPr/>
-        <p:txBody>
-          <a:bodyPr/>
-          <a:lstStyle/>
-          <a:p>
-            <a:r>
-              <a:t>SKU Hà Nội Gía rẻ</a:t>
-            </a:r>
-          </a:p>
-        </p:txBody>
-      </p:sp>
       <p:pic>
         <p:nvPicPr>
-          <p:cNvPr id="3" name="Picture 2" descr="plotHà Nội.png"/>
+          <p:cNvPr id="2" name="Picture 1" descr="plot_E5e.png"/>
           <p:cNvPicPr>
             <a:picLocks noChangeAspect="1"/>
           </p:cNvPicPr>
@@ -5572,7 +4720,7 @@
         </p:blipFill>
         <p:spPr>
           <a:xfrm>
-            <a:off x="0" y="1371600"/>
+            <a:off x="0" y="914400"/>
             <a:ext cx="9144000" cy="5486400"/>
           </a:xfrm>
           <a:prstGeom prst="rect">
@@ -5588,7 +4736,7 @@
 </p:sld>
 </file>
 
-<file path=ppt/slides/slide45.xml><?xml version="1.0" encoding="utf-8"?>
+<file path=ppt/slides/slide44.xml><?xml version="1.0" encoding="utf-8"?>
 <p:sld xmlns:a="http://schemas.openxmlformats.org/drawingml/2006/main" xmlns:p="http://schemas.openxmlformats.org/presentationml/2006/main" xmlns:r="http://schemas.openxmlformats.org/officeDocument/2006/relationships">
   <p:cSld>
     <p:spTree>
@@ -5598,30 +4746,9 @@
         <p:nvPr/>
       </p:nvGrpSpPr>
       <p:grpSpPr/>
-      <p:sp>
-        <p:nvSpPr>
-          <p:cNvPr id="2" name="Title 1"/>
-          <p:cNvSpPr>
-            <a:spLocks noGrp="1"/>
-          </p:cNvSpPr>
-          <p:nvPr>
-            <p:ph type="title"/>
-          </p:nvPr>
-        </p:nvSpPr>
-        <p:spPr/>
-        <p:txBody>
-          <a:bodyPr/>
-          <a:lstStyle/>
-          <a:p>
-            <a:r>
-              <a:t>SKU Hải Phòng Siêu cao cấp</a:t>
-            </a:r>
-          </a:p>
-        </p:txBody>
-      </p:sp>
       <p:pic>
         <p:nvPicPr>
-          <p:cNvPr id="3" name="Picture 2" descr="plotHải Phòng.png"/>
+          <p:cNvPr id="2" name="Picture 1" descr="plot_E12e.png"/>
           <p:cNvPicPr>
             <a:picLocks noChangeAspect="1"/>
           </p:cNvPicPr>
@@ -5635,7 +4762,7 @@
         </p:blipFill>
         <p:spPr>
           <a:xfrm>
-            <a:off x="0" y="1371600"/>
+            <a:off x="0" y="914400"/>
             <a:ext cx="9144000" cy="5486400"/>
           </a:xfrm>
           <a:prstGeom prst="rect">
@@ -5651,7 +4778,7 @@
 </p:sld>
 </file>
 
-<file path=ppt/slides/slide46.xml><?xml version="1.0" encoding="utf-8"?>
+<file path=ppt/slides/slide45.xml><?xml version="1.0" encoding="utf-8"?>
 <p:sld xmlns:a="http://schemas.openxmlformats.org/drawingml/2006/main" xmlns:p="http://schemas.openxmlformats.org/presentationml/2006/main" xmlns:r="http://schemas.openxmlformats.org/officeDocument/2006/relationships">
   <p:cSld>
     <p:spTree>
@@ -5661,30 +4788,9 @@
         <p:nvPr/>
       </p:nvGrpSpPr>
       <p:grpSpPr/>
-      <p:sp>
-        <p:nvSpPr>
-          <p:cNvPr id="2" name="Title 1"/>
-          <p:cNvSpPr>
-            <a:spLocks noGrp="1"/>
-          </p:cNvSpPr>
-          <p:nvPr>
-            <p:ph type="title"/>
-          </p:nvPr>
-        </p:nvSpPr>
-        <p:spPr/>
-        <p:txBody>
-          <a:bodyPr/>
-          <a:lstStyle/>
-          <a:p>
-            <a:r>
-              <a:t>SKU Hải Phòng Cao cấp</a:t>
-            </a:r>
-          </a:p>
-        </p:txBody>
-      </p:sp>
       <p:pic>
         <p:nvPicPr>
-          <p:cNvPr id="3" name="Picture 2" descr="plotHải Phòng.png"/>
+          <p:cNvPr id="2" name="Picture 1" descr="plot_E13e.png"/>
           <p:cNvPicPr>
             <a:picLocks noChangeAspect="1"/>
           </p:cNvPicPr>
@@ -5698,7 +4804,7 @@
         </p:blipFill>
         <p:spPr>
           <a:xfrm>
-            <a:off x="0" y="1371600"/>
+            <a:off x="0" y="914400"/>
             <a:ext cx="9144000" cy="5486400"/>
           </a:xfrm>
           <a:prstGeom prst="rect">
@@ -5714,7 +4820,7 @@
 </p:sld>
 </file>
 
-<file path=ppt/slides/slide47.xml><?xml version="1.0" encoding="utf-8"?>
+<file path=ppt/slides/slide5.xml><?xml version="1.0" encoding="utf-8"?>
 <p:sld xmlns:a="http://schemas.openxmlformats.org/drawingml/2006/main" xmlns:p="http://schemas.openxmlformats.org/presentationml/2006/main" xmlns:r="http://schemas.openxmlformats.org/officeDocument/2006/relationships">
   <p:cSld>
     <p:spTree>
@@ -5724,30 +4830,9 @@
         <p:nvPr/>
       </p:nvGrpSpPr>
       <p:grpSpPr/>
-      <p:sp>
-        <p:nvSpPr>
-          <p:cNvPr id="2" name="Title 1"/>
-          <p:cNvSpPr>
-            <a:spLocks noGrp="1"/>
-          </p:cNvSpPr>
-          <p:nvPr>
-            <p:ph type="title"/>
-          </p:nvPr>
-        </p:nvSpPr>
-        <p:spPr/>
-        <p:txBody>
-          <a:bodyPr/>
-          <a:lstStyle/>
-          <a:p>
-            <a:r>
-              <a:t>SKU Hải Phòng Trung cấp</a:t>
-            </a:r>
-          </a:p>
-        </p:txBody>
-      </p:sp>
       <p:pic>
         <p:nvPicPr>
-          <p:cNvPr id="3" name="Picture 2" descr="plotHải Phòng.png"/>
+          <p:cNvPr id="2" name="Picture 1" descr="plot_I2a.png"/>
           <p:cNvPicPr>
             <a:picLocks noChangeAspect="1"/>
           </p:cNvPicPr>
@@ -5761,7 +4846,7 @@
         </p:blipFill>
         <p:spPr>
           <a:xfrm>
-            <a:off x="0" y="1371600"/>
+            <a:off x="0" y="914400"/>
             <a:ext cx="9144000" cy="5486400"/>
           </a:xfrm>
           <a:prstGeom prst="rect">
@@ -5777,7 +4862,7 @@
 </p:sld>
 </file>
 
-<file path=ppt/slides/slide48.xml><?xml version="1.0" encoding="utf-8"?>
+<file path=ppt/slides/slide6.xml><?xml version="1.0" encoding="utf-8"?>
 <p:sld xmlns:a="http://schemas.openxmlformats.org/drawingml/2006/main" xmlns:p="http://schemas.openxmlformats.org/presentationml/2006/main" xmlns:r="http://schemas.openxmlformats.org/officeDocument/2006/relationships">
   <p:cSld>
     <p:spTree>
@@ -5787,30 +4872,9 @@
         <p:nvPr/>
       </p:nvGrpSpPr>
       <p:grpSpPr/>
-      <p:sp>
-        <p:nvSpPr>
-          <p:cNvPr id="2" name="Title 1"/>
-          <p:cNvSpPr>
-            <a:spLocks noGrp="1"/>
-          </p:cNvSpPr>
-          <p:nvPr>
-            <p:ph type="title"/>
-          </p:nvPr>
-        </p:nvSpPr>
-        <p:spPr/>
-        <p:txBody>
-          <a:bodyPr/>
-          <a:lstStyle/>
-          <a:p>
-            <a:r>
-              <a:t>SKU Hải Phòng Gía rẻ</a:t>
-            </a:r>
-          </a:p>
-        </p:txBody>
-      </p:sp>
       <p:pic>
         <p:nvPicPr>
-          <p:cNvPr id="3" name="Picture 2" descr="plotHải Phòng.png"/>
+          <p:cNvPr id="2" name="Picture 1" descr="plot_I3.png"/>
           <p:cNvPicPr>
             <a:picLocks noChangeAspect="1"/>
           </p:cNvPicPr>
@@ -5824,7 +4888,7 @@
         </p:blipFill>
         <p:spPr>
           <a:xfrm>
-            <a:off x="0" y="1371600"/>
+            <a:off x="0" y="914400"/>
             <a:ext cx="9144000" cy="5486400"/>
           </a:xfrm>
           <a:prstGeom prst="rect">
@@ -5840,7 +4904,7 @@
 </p:sld>
 </file>
 
-<file path=ppt/slides/slide49.xml><?xml version="1.0" encoding="utf-8"?>
+<file path=ppt/slides/slide7.xml><?xml version="1.0" encoding="utf-8"?>
 <p:sld xmlns:a="http://schemas.openxmlformats.org/drawingml/2006/main" xmlns:p="http://schemas.openxmlformats.org/presentationml/2006/main" xmlns:r="http://schemas.openxmlformats.org/officeDocument/2006/relationships">
   <p:cSld>
     <p:spTree>
@@ -5850,30 +4914,9 @@
         <p:nvPr/>
       </p:nvGrpSpPr>
       <p:grpSpPr/>
-      <p:sp>
-        <p:nvSpPr>
-          <p:cNvPr id="2" name="Title 1"/>
-          <p:cNvSpPr>
-            <a:spLocks noGrp="1"/>
-          </p:cNvSpPr>
-          <p:nvPr>
-            <p:ph type="title"/>
-          </p:nvPr>
-        </p:nvSpPr>
-        <p:spPr/>
-        <p:txBody>
-          <a:bodyPr/>
-          <a:lstStyle/>
-          <a:p>
-            <a:r>
-              <a:t>SKU Đà Nẵng Trung cấp</a:t>
-            </a:r>
-          </a:p>
-        </p:txBody>
-      </p:sp>
       <p:pic>
         <p:nvPicPr>
-          <p:cNvPr id="3" name="Picture 2" descr="plotĐà Nẵng.png"/>
+          <p:cNvPr id="2" name="Picture 1" descr="plot_I3a.png"/>
           <p:cNvPicPr>
             <a:picLocks noChangeAspect="1"/>
           </p:cNvPicPr>
@@ -5887,7 +4930,7 @@
         </p:blipFill>
         <p:spPr>
           <a:xfrm>
-            <a:off x="0" y="1371600"/>
+            <a:off x="0" y="914400"/>
             <a:ext cx="9144000" cy="5486400"/>
           </a:xfrm>
           <a:prstGeom prst="rect">
@@ -5903,7 +4946,7 @@
 </p:sld>
 </file>
 
-<file path=ppt/slides/slide5.xml><?xml version="1.0" encoding="utf-8"?>
+<file path=ppt/slides/slide8.xml><?xml version="1.0" encoding="utf-8"?>
 <p:sld xmlns:a="http://schemas.openxmlformats.org/drawingml/2006/main" xmlns:p="http://schemas.openxmlformats.org/presentationml/2006/main" xmlns:r="http://schemas.openxmlformats.org/officeDocument/2006/relationships">
   <p:cSld>
     <p:spTree>
@@ -5913,30 +4956,9 @@
         <p:nvPr/>
       </p:nvGrpSpPr>
       <p:grpSpPr/>
-      <p:sp>
-        <p:nvSpPr>
-          <p:cNvPr id="2" name="Title 1"/>
-          <p:cNvSpPr>
-            <a:spLocks noGrp="1"/>
-          </p:cNvSpPr>
-          <p:nvPr>
-            <p:ph type="title"/>
-          </p:nvPr>
-        </p:nvSpPr>
-        <p:spPr/>
-        <p:txBody>
-          <a:bodyPr/>
-          <a:lstStyle/>
-          <a:p>
-            <a:r>
-              <a:t>SKU E2</a:t>
-            </a:r>
-          </a:p>
-        </p:txBody>
-      </p:sp>
       <p:pic>
         <p:nvPicPr>
-          <p:cNvPr id="3" name="Picture 2" descr="plot_E2.png"/>
+          <p:cNvPr id="2" name="Picture 1" descr="plot_I4a.png"/>
           <p:cNvPicPr>
             <a:picLocks noChangeAspect="1"/>
           </p:cNvPicPr>
@@ -5950,7 +4972,7 @@
         </p:blipFill>
         <p:spPr>
           <a:xfrm>
-            <a:off x="0" y="1371600"/>
+            <a:off x="0" y="914400"/>
             <a:ext cx="9144000" cy="5486400"/>
           </a:xfrm>
           <a:prstGeom prst="rect">
@@ -5966,7 +4988,7 @@
 </p:sld>
 </file>
 
-<file path=ppt/slides/slide50.xml><?xml version="1.0" encoding="utf-8"?>
+<file path=ppt/slides/slide9.xml><?xml version="1.0" encoding="utf-8"?>
 <p:sld xmlns:a="http://schemas.openxmlformats.org/drawingml/2006/main" xmlns:p="http://schemas.openxmlformats.org/presentationml/2006/main" xmlns:r="http://schemas.openxmlformats.org/officeDocument/2006/relationships">
   <p:cSld>
     <p:spTree>
@@ -5976,30 +4998,9 @@
         <p:nvPr/>
       </p:nvGrpSpPr>
       <p:grpSpPr/>
-      <p:sp>
-        <p:nvSpPr>
-          <p:cNvPr id="2" name="Title 1"/>
-          <p:cNvSpPr>
-            <a:spLocks noGrp="1"/>
-          </p:cNvSpPr>
-          <p:nvPr>
-            <p:ph type="title"/>
-          </p:nvPr>
-        </p:nvSpPr>
-        <p:spPr/>
-        <p:txBody>
-          <a:bodyPr/>
-          <a:lstStyle/>
-          <a:p>
-            <a:r>
-              <a:t>SKU Đà Nẵng Cao cấp</a:t>
-            </a:r>
-          </a:p>
-        </p:txBody>
-      </p:sp>
       <p:pic>
         <p:nvPicPr>
-          <p:cNvPr id="3" name="Picture 2" descr="plotĐà Nẵng.png"/>
+          <p:cNvPr id="2" name="Picture 1" descr="plot_I4.png"/>
           <p:cNvPicPr>
             <a:picLocks noChangeAspect="1"/>
           </p:cNvPicPr>
@@ -6013,889 +5014,7 @@
         </p:blipFill>
         <p:spPr>
           <a:xfrm>
-            <a:off x="0" y="1371600"/>
-            <a:ext cx="9144000" cy="5486400"/>
-          </a:xfrm>
-          <a:prstGeom prst="rect">
-            <a:avLst/>
-          </a:prstGeom>
-        </p:spPr>
-      </p:pic>
-    </p:spTree>
-  </p:cSld>
-  <p:clrMapOvr>
-    <a:masterClrMapping/>
-  </p:clrMapOvr>
-</p:sld>
-</file>
-
-<file path=ppt/slides/slide51.xml><?xml version="1.0" encoding="utf-8"?>
-<p:sld xmlns:a="http://schemas.openxmlformats.org/drawingml/2006/main" xmlns:p="http://schemas.openxmlformats.org/presentationml/2006/main" xmlns:r="http://schemas.openxmlformats.org/officeDocument/2006/relationships">
-  <p:cSld>
-    <p:spTree>
-      <p:nvGrpSpPr>
-        <p:cNvPr id="1" name=""/>
-        <p:cNvGrpSpPr/>
-        <p:nvPr/>
-      </p:nvGrpSpPr>
-      <p:grpSpPr/>
-      <p:sp>
-        <p:nvSpPr>
-          <p:cNvPr id="2" name="Title 1"/>
-          <p:cNvSpPr>
-            <a:spLocks noGrp="1"/>
-          </p:cNvSpPr>
-          <p:nvPr>
-            <p:ph type="title"/>
-          </p:nvPr>
-        </p:nvSpPr>
-        <p:spPr/>
-        <p:txBody>
-          <a:bodyPr/>
-          <a:lstStyle/>
-          <a:p>
-            <a:r>
-              <a:t>SKU Đà Nẵng Siêu cao cấp</a:t>
-            </a:r>
-          </a:p>
-        </p:txBody>
-      </p:sp>
-      <p:pic>
-        <p:nvPicPr>
-          <p:cNvPr id="3" name="Picture 2" descr="plotĐà Nẵng.png"/>
-          <p:cNvPicPr>
-            <a:picLocks noChangeAspect="1"/>
-          </p:cNvPicPr>
-          <p:nvPr/>
-        </p:nvPicPr>
-        <p:blipFill>
-          <a:blip r:embed="rId2"/>
-          <a:stretch>
-            <a:fillRect/>
-          </a:stretch>
-        </p:blipFill>
-        <p:spPr>
-          <a:xfrm>
-            <a:off x="0" y="1371600"/>
-            <a:ext cx="9144000" cy="5486400"/>
-          </a:xfrm>
-          <a:prstGeom prst="rect">
-            <a:avLst/>
-          </a:prstGeom>
-        </p:spPr>
-      </p:pic>
-    </p:spTree>
-  </p:cSld>
-  <p:clrMapOvr>
-    <a:masterClrMapping/>
-  </p:clrMapOvr>
-</p:sld>
-</file>
-
-<file path=ppt/slides/slide52.xml><?xml version="1.0" encoding="utf-8"?>
-<p:sld xmlns:a="http://schemas.openxmlformats.org/drawingml/2006/main" xmlns:p="http://schemas.openxmlformats.org/presentationml/2006/main" xmlns:r="http://schemas.openxmlformats.org/officeDocument/2006/relationships">
-  <p:cSld>
-    <p:spTree>
-      <p:nvGrpSpPr>
-        <p:cNvPr id="1" name=""/>
-        <p:cNvGrpSpPr/>
-        <p:nvPr/>
-      </p:nvGrpSpPr>
-      <p:grpSpPr/>
-      <p:sp>
-        <p:nvSpPr>
-          <p:cNvPr id="2" name="Title 1"/>
-          <p:cNvSpPr>
-            <a:spLocks noGrp="1"/>
-          </p:cNvSpPr>
-          <p:nvPr>
-            <p:ph type="title"/>
-          </p:nvPr>
-        </p:nvSpPr>
-        <p:spPr/>
-        <p:txBody>
-          <a:bodyPr/>
-          <a:lstStyle/>
-          <a:p>
-            <a:r>
-              <a:t>SKU Đà Nẵng Gía rẻ</a:t>
-            </a:r>
-          </a:p>
-        </p:txBody>
-      </p:sp>
-      <p:pic>
-        <p:nvPicPr>
-          <p:cNvPr id="3" name="Picture 2" descr="plotĐà Nẵng.png"/>
-          <p:cNvPicPr>
-            <a:picLocks noChangeAspect="1"/>
-          </p:cNvPicPr>
-          <p:nvPr/>
-        </p:nvPicPr>
-        <p:blipFill>
-          <a:blip r:embed="rId2"/>
-          <a:stretch>
-            <a:fillRect/>
-          </a:stretch>
-        </p:blipFill>
-        <p:spPr>
-          <a:xfrm>
-            <a:off x="0" y="1371600"/>
-            <a:ext cx="9144000" cy="5486400"/>
-          </a:xfrm>
-          <a:prstGeom prst="rect">
-            <a:avLst/>
-          </a:prstGeom>
-        </p:spPr>
-      </p:pic>
-    </p:spTree>
-  </p:cSld>
-  <p:clrMapOvr>
-    <a:masterClrMapping/>
-  </p:clrMapOvr>
-</p:sld>
-</file>
-
-<file path=ppt/slides/slide53.xml><?xml version="1.0" encoding="utf-8"?>
-<p:sld xmlns:a="http://schemas.openxmlformats.org/drawingml/2006/main" xmlns:p="http://schemas.openxmlformats.org/presentationml/2006/main" xmlns:r="http://schemas.openxmlformats.org/officeDocument/2006/relationships">
-  <p:cSld>
-    <p:spTree>
-      <p:nvGrpSpPr>
-        <p:cNvPr id="1" name=""/>
-        <p:cNvGrpSpPr/>
-        <p:nvPr/>
-      </p:nvGrpSpPr>
-      <p:grpSpPr/>
-      <p:sp>
-        <p:nvSpPr>
-          <p:cNvPr id="2" name="Title 1"/>
-          <p:cNvSpPr>
-            <a:spLocks noGrp="1"/>
-          </p:cNvSpPr>
-          <p:nvPr>
-            <p:ph type="title"/>
-          </p:nvPr>
-        </p:nvSpPr>
-        <p:spPr/>
-        <p:txBody>
-          <a:bodyPr/>
-          <a:lstStyle/>
-          <a:p>
-            <a:r>
-              <a:t>SKU Hồ Chí Minh Trung cấp</a:t>
-            </a:r>
-          </a:p>
-        </p:txBody>
-      </p:sp>
-      <p:pic>
-        <p:nvPicPr>
-          <p:cNvPr id="3" name="Picture 2" descr="plotHồ Chí Minh.png"/>
-          <p:cNvPicPr>
-            <a:picLocks noChangeAspect="1"/>
-          </p:cNvPicPr>
-          <p:nvPr/>
-        </p:nvPicPr>
-        <p:blipFill>
-          <a:blip r:embed="rId2"/>
-          <a:stretch>
-            <a:fillRect/>
-          </a:stretch>
-        </p:blipFill>
-        <p:spPr>
-          <a:xfrm>
-            <a:off x="0" y="1371600"/>
-            <a:ext cx="9144000" cy="5486400"/>
-          </a:xfrm>
-          <a:prstGeom prst="rect">
-            <a:avLst/>
-          </a:prstGeom>
-        </p:spPr>
-      </p:pic>
-    </p:spTree>
-  </p:cSld>
-  <p:clrMapOvr>
-    <a:masterClrMapping/>
-  </p:clrMapOvr>
-</p:sld>
-</file>
-
-<file path=ppt/slides/slide54.xml><?xml version="1.0" encoding="utf-8"?>
-<p:sld xmlns:a="http://schemas.openxmlformats.org/drawingml/2006/main" xmlns:p="http://schemas.openxmlformats.org/presentationml/2006/main" xmlns:r="http://schemas.openxmlformats.org/officeDocument/2006/relationships">
-  <p:cSld>
-    <p:spTree>
-      <p:nvGrpSpPr>
-        <p:cNvPr id="1" name=""/>
-        <p:cNvGrpSpPr/>
-        <p:nvPr/>
-      </p:nvGrpSpPr>
-      <p:grpSpPr/>
-      <p:sp>
-        <p:nvSpPr>
-          <p:cNvPr id="2" name="Title 1"/>
-          <p:cNvSpPr>
-            <a:spLocks noGrp="1"/>
-          </p:cNvSpPr>
-          <p:nvPr>
-            <p:ph type="title"/>
-          </p:nvPr>
-        </p:nvSpPr>
-        <p:spPr/>
-        <p:txBody>
-          <a:bodyPr/>
-          <a:lstStyle/>
-          <a:p>
-            <a:r>
-              <a:t>SKU Hồ Chí Minh Cao cấp</a:t>
-            </a:r>
-          </a:p>
-        </p:txBody>
-      </p:sp>
-      <p:pic>
-        <p:nvPicPr>
-          <p:cNvPr id="3" name="Picture 2" descr="plotHồ Chí Minh.png"/>
-          <p:cNvPicPr>
-            <a:picLocks noChangeAspect="1"/>
-          </p:cNvPicPr>
-          <p:nvPr/>
-        </p:nvPicPr>
-        <p:blipFill>
-          <a:blip r:embed="rId2"/>
-          <a:stretch>
-            <a:fillRect/>
-          </a:stretch>
-        </p:blipFill>
-        <p:spPr>
-          <a:xfrm>
-            <a:off x="0" y="1371600"/>
-            <a:ext cx="9144000" cy="5486400"/>
-          </a:xfrm>
-          <a:prstGeom prst="rect">
-            <a:avLst/>
-          </a:prstGeom>
-        </p:spPr>
-      </p:pic>
-    </p:spTree>
-  </p:cSld>
-  <p:clrMapOvr>
-    <a:masterClrMapping/>
-  </p:clrMapOvr>
-</p:sld>
-</file>
-
-<file path=ppt/slides/slide55.xml><?xml version="1.0" encoding="utf-8"?>
-<p:sld xmlns:a="http://schemas.openxmlformats.org/drawingml/2006/main" xmlns:p="http://schemas.openxmlformats.org/presentationml/2006/main" xmlns:r="http://schemas.openxmlformats.org/officeDocument/2006/relationships">
-  <p:cSld>
-    <p:spTree>
-      <p:nvGrpSpPr>
-        <p:cNvPr id="1" name=""/>
-        <p:cNvGrpSpPr/>
-        <p:nvPr/>
-      </p:nvGrpSpPr>
-      <p:grpSpPr/>
-      <p:sp>
-        <p:nvSpPr>
-          <p:cNvPr id="2" name="Title 1"/>
-          <p:cNvSpPr>
-            <a:spLocks noGrp="1"/>
-          </p:cNvSpPr>
-          <p:nvPr>
-            <p:ph type="title"/>
-          </p:nvPr>
-        </p:nvSpPr>
-        <p:spPr/>
-        <p:txBody>
-          <a:bodyPr/>
-          <a:lstStyle/>
-          <a:p>
-            <a:r>
-              <a:t>SKU Hồ Chí Minh Gía rẻ</a:t>
-            </a:r>
-          </a:p>
-        </p:txBody>
-      </p:sp>
-      <p:pic>
-        <p:nvPicPr>
-          <p:cNvPr id="3" name="Picture 2" descr="plotHồ Chí Minh.png"/>
-          <p:cNvPicPr>
-            <a:picLocks noChangeAspect="1"/>
-          </p:cNvPicPr>
-          <p:nvPr/>
-        </p:nvPicPr>
-        <p:blipFill>
-          <a:blip r:embed="rId2"/>
-          <a:stretch>
-            <a:fillRect/>
-          </a:stretch>
-        </p:blipFill>
-        <p:spPr>
-          <a:xfrm>
-            <a:off x="0" y="1371600"/>
-            <a:ext cx="9144000" cy="5486400"/>
-          </a:xfrm>
-          <a:prstGeom prst="rect">
-            <a:avLst/>
-          </a:prstGeom>
-        </p:spPr>
-      </p:pic>
-    </p:spTree>
-  </p:cSld>
-  <p:clrMapOvr>
-    <a:masterClrMapping/>
-  </p:clrMapOvr>
-</p:sld>
-</file>
-
-<file path=ppt/slides/slide56.xml><?xml version="1.0" encoding="utf-8"?>
-<p:sld xmlns:a="http://schemas.openxmlformats.org/drawingml/2006/main" xmlns:p="http://schemas.openxmlformats.org/presentationml/2006/main" xmlns:r="http://schemas.openxmlformats.org/officeDocument/2006/relationships">
-  <p:cSld>
-    <p:spTree>
-      <p:nvGrpSpPr>
-        <p:cNvPr id="1" name=""/>
-        <p:cNvGrpSpPr/>
-        <p:nvPr/>
-      </p:nvGrpSpPr>
-      <p:grpSpPr/>
-      <p:sp>
-        <p:nvSpPr>
-          <p:cNvPr id="2" name="Title 1"/>
-          <p:cNvSpPr>
-            <a:spLocks noGrp="1"/>
-          </p:cNvSpPr>
-          <p:nvPr>
-            <p:ph type="title"/>
-          </p:nvPr>
-        </p:nvSpPr>
-        <p:spPr/>
-        <p:txBody>
-          <a:bodyPr/>
-          <a:lstStyle/>
-          <a:p>
-            <a:r>
-              <a:t>SKU Hồ Chí Minh Siêu cao cấp</a:t>
-            </a:r>
-          </a:p>
-        </p:txBody>
-      </p:sp>
-      <p:pic>
-        <p:nvPicPr>
-          <p:cNvPr id="3" name="Picture 2" descr="plotHồ Chí Minh.png"/>
-          <p:cNvPicPr>
-            <a:picLocks noChangeAspect="1"/>
-          </p:cNvPicPr>
-          <p:nvPr/>
-        </p:nvPicPr>
-        <p:blipFill>
-          <a:blip r:embed="rId2"/>
-          <a:stretch>
-            <a:fillRect/>
-          </a:stretch>
-        </p:blipFill>
-        <p:spPr>
-          <a:xfrm>
-            <a:off x="0" y="1371600"/>
-            <a:ext cx="9144000" cy="5486400"/>
-          </a:xfrm>
-          <a:prstGeom prst="rect">
-            <a:avLst/>
-          </a:prstGeom>
-        </p:spPr>
-      </p:pic>
-    </p:spTree>
-  </p:cSld>
-  <p:clrMapOvr>
-    <a:masterClrMapping/>
-  </p:clrMapOvr>
-</p:sld>
-</file>
-
-<file path=ppt/slides/slide57.xml><?xml version="1.0" encoding="utf-8"?>
-<p:sld xmlns:a="http://schemas.openxmlformats.org/drawingml/2006/main" xmlns:p="http://schemas.openxmlformats.org/presentationml/2006/main" xmlns:r="http://schemas.openxmlformats.org/officeDocument/2006/relationships">
-  <p:cSld>
-    <p:spTree>
-      <p:nvGrpSpPr>
-        <p:cNvPr id="1" name=""/>
-        <p:cNvGrpSpPr/>
-        <p:nvPr/>
-      </p:nvGrpSpPr>
-      <p:grpSpPr/>
-      <p:sp>
-        <p:nvSpPr>
-          <p:cNvPr id="2" name="Title 1"/>
-          <p:cNvSpPr>
-            <a:spLocks noGrp="1"/>
-          </p:cNvSpPr>
-          <p:nvPr>
-            <p:ph type="title"/>
-          </p:nvPr>
-        </p:nvSpPr>
-        <p:spPr/>
-        <p:txBody>
-          <a:bodyPr/>
-          <a:lstStyle/>
-          <a:p>
-            <a:r>
-              <a:t>SKU Cần Thơ Siêu cao cấp</a:t>
-            </a:r>
-          </a:p>
-        </p:txBody>
-      </p:sp>
-      <p:pic>
-        <p:nvPicPr>
-          <p:cNvPr id="3" name="Picture 2" descr="plotCần Thơ.png"/>
-          <p:cNvPicPr>
-            <a:picLocks noChangeAspect="1"/>
-          </p:cNvPicPr>
-          <p:nvPr/>
-        </p:nvPicPr>
-        <p:blipFill>
-          <a:blip r:embed="rId2"/>
-          <a:stretch>
-            <a:fillRect/>
-          </a:stretch>
-        </p:blipFill>
-        <p:spPr>
-          <a:xfrm>
-            <a:off x="0" y="1371600"/>
-            <a:ext cx="9144000" cy="5486400"/>
-          </a:xfrm>
-          <a:prstGeom prst="rect">
-            <a:avLst/>
-          </a:prstGeom>
-        </p:spPr>
-      </p:pic>
-    </p:spTree>
-  </p:cSld>
-  <p:clrMapOvr>
-    <a:masterClrMapping/>
-  </p:clrMapOvr>
-</p:sld>
-</file>
-
-<file path=ppt/slides/slide58.xml><?xml version="1.0" encoding="utf-8"?>
-<p:sld xmlns:a="http://schemas.openxmlformats.org/drawingml/2006/main" xmlns:p="http://schemas.openxmlformats.org/presentationml/2006/main" xmlns:r="http://schemas.openxmlformats.org/officeDocument/2006/relationships">
-  <p:cSld>
-    <p:spTree>
-      <p:nvGrpSpPr>
-        <p:cNvPr id="1" name=""/>
-        <p:cNvGrpSpPr/>
-        <p:nvPr/>
-      </p:nvGrpSpPr>
-      <p:grpSpPr/>
-      <p:sp>
-        <p:nvSpPr>
-          <p:cNvPr id="2" name="Title 1"/>
-          <p:cNvSpPr>
-            <a:spLocks noGrp="1"/>
-          </p:cNvSpPr>
-          <p:nvPr>
-            <p:ph type="title"/>
-          </p:nvPr>
-        </p:nvSpPr>
-        <p:spPr/>
-        <p:txBody>
-          <a:bodyPr/>
-          <a:lstStyle/>
-          <a:p>
-            <a:r>
-              <a:t>SKU Cần Thơ Cao cấp</a:t>
-            </a:r>
-          </a:p>
-        </p:txBody>
-      </p:sp>
-      <p:pic>
-        <p:nvPicPr>
-          <p:cNvPr id="3" name="Picture 2" descr="plotCần Thơ.png"/>
-          <p:cNvPicPr>
-            <a:picLocks noChangeAspect="1"/>
-          </p:cNvPicPr>
-          <p:nvPr/>
-        </p:nvPicPr>
-        <p:blipFill>
-          <a:blip r:embed="rId2"/>
-          <a:stretch>
-            <a:fillRect/>
-          </a:stretch>
-        </p:blipFill>
-        <p:spPr>
-          <a:xfrm>
-            <a:off x="0" y="1371600"/>
-            <a:ext cx="9144000" cy="5486400"/>
-          </a:xfrm>
-          <a:prstGeom prst="rect">
-            <a:avLst/>
-          </a:prstGeom>
-        </p:spPr>
-      </p:pic>
-    </p:spTree>
-  </p:cSld>
-  <p:clrMapOvr>
-    <a:masterClrMapping/>
-  </p:clrMapOvr>
-</p:sld>
-</file>
-
-<file path=ppt/slides/slide59.xml><?xml version="1.0" encoding="utf-8"?>
-<p:sld xmlns:a="http://schemas.openxmlformats.org/drawingml/2006/main" xmlns:p="http://schemas.openxmlformats.org/presentationml/2006/main" xmlns:r="http://schemas.openxmlformats.org/officeDocument/2006/relationships">
-  <p:cSld>
-    <p:spTree>
-      <p:nvGrpSpPr>
-        <p:cNvPr id="1" name=""/>
-        <p:cNvGrpSpPr/>
-        <p:nvPr/>
-      </p:nvGrpSpPr>
-      <p:grpSpPr/>
-      <p:sp>
-        <p:nvSpPr>
-          <p:cNvPr id="2" name="Title 1"/>
-          <p:cNvSpPr>
-            <a:spLocks noGrp="1"/>
-          </p:cNvSpPr>
-          <p:nvPr>
-            <p:ph type="title"/>
-          </p:nvPr>
-        </p:nvSpPr>
-        <p:spPr/>
-        <p:txBody>
-          <a:bodyPr/>
-          <a:lstStyle/>
-          <a:p>
-            <a:r>
-              <a:t>SKU Cần Thơ Trung cấp</a:t>
-            </a:r>
-          </a:p>
-        </p:txBody>
-      </p:sp>
-      <p:pic>
-        <p:nvPicPr>
-          <p:cNvPr id="3" name="Picture 2" descr="plotCần Thơ.png"/>
-          <p:cNvPicPr>
-            <a:picLocks noChangeAspect="1"/>
-          </p:cNvPicPr>
-          <p:nvPr/>
-        </p:nvPicPr>
-        <p:blipFill>
-          <a:blip r:embed="rId2"/>
-          <a:stretch>
-            <a:fillRect/>
-          </a:stretch>
-        </p:blipFill>
-        <p:spPr>
-          <a:xfrm>
-            <a:off x="0" y="1371600"/>
-            <a:ext cx="9144000" cy="5486400"/>
-          </a:xfrm>
-          <a:prstGeom prst="rect">
-            <a:avLst/>
-          </a:prstGeom>
-        </p:spPr>
-      </p:pic>
-    </p:spTree>
-  </p:cSld>
-  <p:clrMapOvr>
-    <a:masterClrMapping/>
-  </p:clrMapOvr>
-</p:sld>
-</file>
-
-<file path=ppt/slides/slide6.xml><?xml version="1.0" encoding="utf-8"?>
-<p:sld xmlns:a="http://schemas.openxmlformats.org/drawingml/2006/main" xmlns:p="http://schemas.openxmlformats.org/presentationml/2006/main" xmlns:r="http://schemas.openxmlformats.org/officeDocument/2006/relationships">
-  <p:cSld>
-    <p:spTree>
-      <p:nvGrpSpPr>
-        <p:cNvPr id="1" name=""/>
-        <p:cNvGrpSpPr/>
-        <p:nvPr/>
-      </p:nvGrpSpPr>
-      <p:grpSpPr/>
-      <p:sp>
-        <p:nvSpPr>
-          <p:cNvPr id="2" name="Title 1"/>
-          <p:cNvSpPr>
-            <a:spLocks noGrp="1"/>
-          </p:cNvSpPr>
-          <p:nvPr>
-            <p:ph type="title"/>
-          </p:nvPr>
-        </p:nvSpPr>
-        <p:spPr/>
-        <p:txBody>
-          <a:bodyPr/>
-          <a:lstStyle/>
-          <a:p>
-            <a:r>
-              <a:t>SKU E7</a:t>
-            </a:r>
-          </a:p>
-        </p:txBody>
-      </p:sp>
-      <p:pic>
-        <p:nvPicPr>
-          <p:cNvPr id="3" name="Picture 2" descr="plot_E7.png"/>
-          <p:cNvPicPr>
-            <a:picLocks noChangeAspect="1"/>
-          </p:cNvPicPr>
-          <p:nvPr/>
-        </p:nvPicPr>
-        <p:blipFill>
-          <a:blip r:embed="rId2"/>
-          <a:stretch>
-            <a:fillRect/>
-          </a:stretch>
-        </p:blipFill>
-        <p:spPr>
-          <a:xfrm>
-            <a:off x="0" y="1371600"/>
-            <a:ext cx="9144000" cy="5486400"/>
-          </a:xfrm>
-          <a:prstGeom prst="rect">
-            <a:avLst/>
-          </a:prstGeom>
-        </p:spPr>
-      </p:pic>
-    </p:spTree>
-  </p:cSld>
-  <p:clrMapOvr>
-    <a:masterClrMapping/>
-  </p:clrMapOvr>
-</p:sld>
-</file>
-
-<file path=ppt/slides/slide60.xml><?xml version="1.0" encoding="utf-8"?>
-<p:sld xmlns:a="http://schemas.openxmlformats.org/drawingml/2006/main" xmlns:p="http://schemas.openxmlformats.org/presentationml/2006/main" xmlns:r="http://schemas.openxmlformats.org/officeDocument/2006/relationships">
-  <p:cSld>
-    <p:spTree>
-      <p:nvGrpSpPr>
-        <p:cNvPr id="1" name=""/>
-        <p:cNvGrpSpPr/>
-        <p:nvPr/>
-      </p:nvGrpSpPr>
-      <p:grpSpPr/>
-      <p:sp>
-        <p:nvSpPr>
-          <p:cNvPr id="2" name="Title 1"/>
-          <p:cNvSpPr>
-            <a:spLocks noGrp="1"/>
-          </p:cNvSpPr>
-          <p:nvPr>
-            <p:ph type="title"/>
-          </p:nvPr>
-        </p:nvSpPr>
-        <p:spPr/>
-        <p:txBody>
-          <a:bodyPr/>
-          <a:lstStyle/>
-          <a:p>
-            <a:r>
-              <a:t>SKU Cần Thơ Gía rẻ</a:t>
-            </a:r>
-          </a:p>
-        </p:txBody>
-      </p:sp>
-      <p:pic>
-        <p:nvPicPr>
-          <p:cNvPr id="3" name="Picture 2" descr="plotCần Thơ.png"/>
-          <p:cNvPicPr>
-            <a:picLocks noChangeAspect="1"/>
-          </p:cNvPicPr>
-          <p:nvPr/>
-        </p:nvPicPr>
-        <p:blipFill>
-          <a:blip r:embed="rId2"/>
-          <a:stretch>
-            <a:fillRect/>
-          </a:stretch>
-        </p:blipFill>
-        <p:spPr>
-          <a:xfrm>
-            <a:off x="0" y="1371600"/>
-            <a:ext cx="9144000" cy="5486400"/>
-          </a:xfrm>
-          <a:prstGeom prst="rect">
-            <a:avLst/>
-          </a:prstGeom>
-        </p:spPr>
-      </p:pic>
-    </p:spTree>
-  </p:cSld>
-  <p:clrMapOvr>
-    <a:masterClrMapping/>
-  </p:clrMapOvr>
-</p:sld>
-</file>
-
-<file path=ppt/slides/slide7.xml><?xml version="1.0" encoding="utf-8"?>
-<p:sld xmlns:a="http://schemas.openxmlformats.org/drawingml/2006/main" xmlns:p="http://schemas.openxmlformats.org/presentationml/2006/main" xmlns:r="http://schemas.openxmlformats.org/officeDocument/2006/relationships">
-  <p:cSld>
-    <p:spTree>
-      <p:nvGrpSpPr>
-        <p:cNvPr id="1" name=""/>
-        <p:cNvGrpSpPr/>
-        <p:nvPr/>
-      </p:nvGrpSpPr>
-      <p:grpSpPr/>
-      <p:sp>
-        <p:nvSpPr>
-          <p:cNvPr id="2" name="Title 1"/>
-          <p:cNvSpPr>
-            <a:spLocks noGrp="1"/>
-          </p:cNvSpPr>
-          <p:nvPr>
-            <p:ph type="title"/>
-          </p:nvPr>
-        </p:nvSpPr>
-        <p:spPr/>
-        <p:txBody>
-          <a:bodyPr/>
-          <a:lstStyle/>
-          <a:p>
-            <a:r>
-              <a:t>SKU E4</a:t>
-            </a:r>
-          </a:p>
-        </p:txBody>
-      </p:sp>
-      <p:pic>
-        <p:nvPicPr>
-          <p:cNvPr id="3" name="Picture 2" descr="plot_E4.png"/>
-          <p:cNvPicPr>
-            <a:picLocks noChangeAspect="1"/>
-          </p:cNvPicPr>
-          <p:nvPr/>
-        </p:nvPicPr>
-        <p:blipFill>
-          <a:blip r:embed="rId2"/>
-          <a:stretch>
-            <a:fillRect/>
-          </a:stretch>
-        </p:blipFill>
-        <p:spPr>
-          <a:xfrm>
-            <a:off x="0" y="1371600"/>
-            <a:ext cx="9144000" cy="5486400"/>
-          </a:xfrm>
-          <a:prstGeom prst="rect">
-            <a:avLst/>
-          </a:prstGeom>
-        </p:spPr>
-      </p:pic>
-    </p:spTree>
-  </p:cSld>
-  <p:clrMapOvr>
-    <a:masterClrMapping/>
-  </p:clrMapOvr>
-</p:sld>
-</file>
-
-<file path=ppt/slides/slide8.xml><?xml version="1.0" encoding="utf-8"?>
-<p:sld xmlns:a="http://schemas.openxmlformats.org/drawingml/2006/main" xmlns:p="http://schemas.openxmlformats.org/presentationml/2006/main" xmlns:r="http://schemas.openxmlformats.org/officeDocument/2006/relationships">
-  <p:cSld>
-    <p:spTree>
-      <p:nvGrpSpPr>
-        <p:cNvPr id="1" name=""/>
-        <p:cNvGrpSpPr/>
-        <p:nvPr/>
-      </p:nvGrpSpPr>
-      <p:grpSpPr/>
-      <p:sp>
-        <p:nvSpPr>
-          <p:cNvPr id="2" name="Title 1"/>
-          <p:cNvSpPr>
-            <a:spLocks noGrp="1"/>
-          </p:cNvSpPr>
-          <p:nvPr>
-            <p:ph type="title"/>
-          </p:nvPr>
-        </p:nvSpPr>
-        <p:spPr/>
-        <p:txBody>
-          <a:bodyPr/>
-          <a:lstStyle/>
-          <a:p>
-            <a:r>
-              <a:t>SKU I3a</a:t>
-            </a:r>
-          </a:p>
-        </p:txBody>
-      </p:sp>
-      <p:pic>
-        <p:nvPicPr>
-          <p:cNvPr id="3" name="Picture 2" descr="plot_I3a.png"/>
-          <p:cNvPicPr>
-            <a:picLocks noChangeAspect="1"/>
-          </p:cNvPicPr>
-          <p:nvPr/>
-        </p:nvPicPr>
-        <p:blipFill>
-          <a:blip r:embed="rId2"/>
-          <a:stretch>
-            <a:fillRect/>
-          </a:stretch>
-        </p:blipFill>
-        <p:spPr>
-          <a:xfrm>
-            <a:off x="0" y="1371600"/>
-            <a:ext cx="9144000" cy="5486400"/>
-          </a:xfrm>
-          <a:prstGeom prst="rect">
-            <a:avLst/>
-          </a:prstGeom>
-        </p:spPr>
-      </p:pic>
-    </p:spTree>
-  </p:cSld>
-  <p:clrMapOvr>
-    <a:masterClrMapping/>
-  </p:clrMapOvr>
-</p:sld>
-</file>
-
-<file path=ppt/slides/slide9.xml><?xml version="1.0" encoding="utf-8"?>
-<p:sld xmlns:a="http://schemas.openxmlformats.org/drawingml/2006/main" xmlns:p="http://schemas.openxmlformats.org/presentationml/2006/main" xmlns:r="http://schemas.openxmlformats.org/officeDocument/2006/relationships">
-  <p:cSld>
-    <p:spTree>
-      <p:nvGrpSpPr>
-        <p:cNvPr id="1" name=""/>
-        <p:cNvGrpSpPr/>
-        <p:nvPr/>
-      </p:nvGrpSpPr>
-      <p:grpSpPr/>
-      <p:sp>
-        <p:nvSpPr>
-          <p:cNvPr id="2" name="Title 1"/>
-          <p:cNvSpPr>
-            <a:spLocks noGrp="1"/>
-          </p:cNvSpPr>
-          <p:nvPr>
-            <p:ph type="title"/>
-          </p:nvPr>
-        </p:nvSpPr>
-        <p:spPr/>
-        <p:txBody>
-          <a:bodyPr/>
-          <a:lstStyle/>
-          <a:p>
-            <a:r>
-              <a:t>SKU I9</a:t>
-            </a:r>
-          </a:p>
-        </p:txBody>
-      </p:sp>
-      <p:pic>
-        <p:nvPicPr>
-          <p:cNvPr id="3" name="Picture 2" descr="plot_I9.png"/>
-          <p:cNvPicPr>
-            <a:picLocks noChangeAspect="1"/>
-          </p:cNvPicPr>
-          <p:nvPr/>
-        </p:nvPicPr>
-        <p:blipFill>
-          <a:blip r:embed="rId2"/>
-          <a:stretch>
-            <a:fillRect/>
-          </a:stretch>
-        </p:blipFill>
-        <p:spPr>
-          <a:xfrm>
-            <a:off x="0" y="1371600"/>
+            <a:off x="0" y="914400"/>
             <a:ext cx="9144000" cy="5486400"/>
           </a:xfrm>
           <a:prstGeom prst="rect">
